--- a/presentation/NIH-07-15.pptx
+++ b/presentation/NIH-07-15.pptx
@@ -5,12 +5,21 @@
     <p:sldMasterId id="2147483648" r:id="rId1"/>
   </p:sldMasterIdLst>
   <p:notesMasterIdLst>
-    <p:notesMasterId r:id="rId5"/>
+    <p:notesMasterId r:id="rId14"/>
   </p:notesMasterIdLst>
   <p:sldIdLst>
-    <p:sldId id="257" r:id="rId2"/>
+    <p:sldId id="261" r:id="rId2"/>
     <p:sldId id="259" r:id="rId3"/>
-    <p:sldId id="260" r:id="rId4"/>
+    <p:sldId id="257" r:id="rId4"/>
+    <p:sldId id="262" r:id="rId5"/>
+    <p:sldId id="263" r:id="rId6"/>
+    <p:sldId id="264" r:id="rId7"/>
+    <p:sldId id="265" r:id="rId8"/>
+    <p:sldId id="266" r:id="rId9"/>
+    <p:sldId id="267" r:id="rId10"/>
+    <p:sldId id="268" r:id="rId11"/>
+    <p:sldId id="269" r:id="rId12"/>
+    <p:sldId id="270" r:id="rId13"/>
   </p:sldIdLst>
   <p:sldSz cx="9144000" cy="6858000" type="screen4x3"/>
   <p:notesSz cx="6858000" cy="9144000"/>
@@ -194,7 +203,7 @@
           <a:p>
             <a:fld id="{2497F444-54C8-462D-89CC-D7EFAC4B7F09}" type="datetimeFigureOut">
               <a:rPr lang="en-US" smtClean="0"/>
-              <a:t>7/17/2015</a:t>
+              <a:t>21/07/15</a:t>
             </a:fld>
             <a:endParaRPr lang="en-US"/>
           </a:p>
@@ -362,6 +371,11 @@
         </p:txBody>
       </p:sp>
     </p:spTree>
+    <p:extLst>
+      <p:ext uri="{BB962C8B-B14F-4D97-AF65-F5344CB8AC3E}">
+        <p14:creationId xmlns:p14="http://schemas.microsoft.com/office/powerpoint/2010/main" val="904150045"/>
+      </p:ext>
+    </p:extLst>
   </p:cSld>
   <p:clrMap bg1="lt1" tx1="dk1" bg2="lt2" tx2="dk2" accent1="accent1" accent2="accent2" accent3="accent3" accent4="accent4" accent5="accent5" accent6="accent6" hlink="hlink" folHlink="folHlink"/>
   <p:notesStyle>
@@ -459,95 +473,6 @@
 </p:notesMaster>
 </file>
 
-<file path=ppt/notesSlides/notesSlide1.xml><?xml version="1.0" encoding="utf-8"?>
-<p:notes xmlns:a="http://schemas.openxmlformats.org/drawingml/2006/main" xmlns:r="http://schemas.openxmlformats.org/officeDocument/2006/relationships" xmlns:p="http://schemas.openxmlformats.org/presentationml/2006/main">
-  <p:cSld>
-    <p:spTree>
-      <p:nvGrpSpPr>
-        <p:cNvPr id="1" name=""/>
-        <p:cNvGrpSpPr/>
-        <p:nvPr/>
-      </p:nvGrpSpPr>
-      <p:grpSpPr>
-        <a:xfrm>
-          <a:off x="0" y="0"/>
-          <a:ext cx="0" cy="0"/>
-          <a:chOff x="0" y="0"/>
-          <a:chExt cx="0" cy="0"/>
-        </a:xfrm>
-      </p:grpSpPr>
-      <p:sp>
-        <p:nvSpPr>
-          <p:cNvPr id="2" name="Slide Image Placeholder 1"/>
-          <p:cNvSpPr>
-            <a:spLocks noGrp="1" noRot="1" noChangeAspect="1"/>
-          </p:cNvSpPr>
-          <p:nvPr>
-            <p:ph type="sldImg"/>
-          </p:nvPr>
-        </p:nvSpPr>
-        <p:spPr/>
-      </p:sp>
-      <p:sp>
-        <p:nvSpPr>
-          <p:cNvPr id="3" name="Notes Placeholder 2"/>
-          <p:cNvSpPr>
-            <a:spLocks noGrp="1"/>
-          </p:cNvSpPr>
-          <p:nvPr>
-            <p:ph type="body" idx="1"/>
-          </p:nvPr>
-        </p:nvSpPr>
-        <p:spPr/>
-        <p:txBody>
-          <a:bodyPr>
-            <a:normAutofit/>
-          </a:bodyPr>
-          <a:lstStyle/>
-          <a:p>
-            <a:r>
-              <a:rPr lang="en-US" dirty="0" smtClean="0"/>
-              <a:t>Add plot for initial error based on </a:t>
-            </a:r>
-            <a:r>
-              <a:rPr lang="en-US" smtClean="0"/>
-              <a:t>a random set of points.</a:t>
-            </a:r>
-            <a:endParaRPr lang="en-US"/>
-          </a:p>
-        </p:txBody>
-      </p:sp>
-      <p:sp>
-        <p:nvSpPr>
-          <p:cNvPr id="4" name="Slide Number Placeholder 3"/>
-          <p:cNvSpPr>
-            <a:spLocks noGrp="1"/>
-          </p:cNvSpPr>
-          <p:nvPr>
-            <p:ph type="sldNum" sz="quarter" idx="10"/>
-          </p:nvPr>
-        </p:nvSpPr>
-        <p:spPr/>
-        <p:txBody>
-          <a:bodyPr/>
-          <a:lstStyle/>
-          <a:p>
-            <a:fld id="{3AEEC7BE-378B-4A0D-BA5D-9CC1D2BE0845}" type="slidenum">
-              <a:rPr lang="en-US" smtClean="0"/>
-              <a:t>3</a:t>
-            </a:fld>
-            <a:endParaRPr lang="en-US"/>
-          </a:p>
-        </p:txBody>
-      </p:sp>
-    </p:spTree>
-  </p:cSld>
-  <p:clrMapOvr>
-    <a:masterClrMapping/>
-  </p:clrMapOvr>
-</p:notes>
-</file>
-
 <file path=ppt/slideLayouts/slideLayout1.xml><?xml version="1.0" encoding="utf-8"?>
 <p:sldLayout xmlns:a="http://schemas.openxmlformats.org/drawingml/2006/main" xmlns:r="http://schemas.openxmlformats.org/officeDocument/2006/relationships" xmlns:p="http://schemas.openxmlformats.org/presentationml/2006/main" type="title" preserve="1">
   <p:cSld name="Title Slide">
@@ -729,7 +654,7 @@
           <a:p>
             <a:fld id="{AD302F98-DC2B-4A39-9182-287F68CE2A53}" type="datetimeFigureOut">
               <a:rPr lang="en-US" smtClean="0"/>
-              <a:t>7/17/2015</a:t>
+              <a:t>21/07/15</a:t>
             </a:fld>
             <a:endParaRPr lang="en-US"/>
           </a:p>
@@ -894,7 +819,7 @@
           <a:p>
             <a:fld id="{AD302F98-DC2B-4A39-9182-287F68CE2A53}" type="datetimeFigureOut">
               <a:rPr lang="en-US" smtClean="0"/>
-              <a:t>7/17/2015</a:t>
+              <a:t>21/07/15</a:t>
             </a:fld>
             <a:endParaRPr lang="en-US"/>
           </a:p>
@@ -1069,7 +994,7 @@
           <a:p>
             <a:fld id="{AD302F98-DC2B-4A39-9182-287F68CE2A53}" type="datetimeFigureOut">
               <a:rPr lang="en-US" smtClean="0"/>
-              <a:t>7/17/2015</a:t>
+              <a:t>21/07/15</a:t>
             </a:fld>
             <a:endParaRPr lang="en-US"/>
           </a:p>
@@ -1234,7 +1159,7 @@
           <a:p>
             <a:fld id="{AD302F98-DC2B-4A39-9182-287F68CE2A53}" type="datetimeFigureOut">
               <a:rPr lang="en-US" smtClean="0"/>
-              <a:t>7/17/2015</a:t>
+              <a:t>21/07/15</a:t>
             </a:fld>
             <a:endParaRPr lang="en-US"/>
           </a:p>
@@ -1475,7 +1400,7 @@
           <a:p>
             <a:fld id="{AD302F98-DC2B-4A39-9182-287F68CE2A53}" type="datetimeFigureOut">
               <a:rPr lang="en-US" smtClean="0"/>
-              <a:t>7/17/2015</a:t>
+              <a:t>21/07/15</a:t>
             </a:fld>
             <a:endParaRPr lang="en-US"/>
           </a:p>
@@ -1758,7 +1683,7 @@
           <a:p>
             <a:fld id="{AD302F98-DC2B-4A39-9182-287F68CE2A53}" type="datetimeFigureOut">
               <a:rPr lang="en-US" smtClean="0"/>
-              <a:t>7/17/2015</a:t>
+              <a:t>21/07/15</a:t>
             </a:fld>
             <a:endParaRPr lang="en-US"/>
           </a:p>
@@ -2175,7 +2100,7 @@
           <a:p>
             <a:fld id="{AD302F98-DC2B-4A39-9182-287F68CE2A53}" type="datetimeFigureOut">
               <a:rPr lang="en-US" smtClean="0"/>
-              <a:t>7/17/2015</a:t>
+              <a:t>21/07/15</a:t>
             </a:fld>
             <a:endParaRPr lang="en-US"/>
           </a:p>
@@ -2288,7 +2213,7 @@
           <a:p>
             <a:fld id="{AD302F98-DC2B-4A39-9182-287F68CE2A53}" type="datetimeFigureOut">
               <a:rPr lang="en-US" smtClean="0"/>
-              <a:t>7/17/2015</a:t>
+              <a:t>21/07/15</a:t>
             </a:fld>
             <a:endParaRPr lang="en-US"/>
           </a:p>
@@ -2378,7 +2303,7 @@
           <a:p>
             <a:fld id="{AD302F98-DC2B-4A39-9182-287F68CE2A53}" type="datetimeFigureOut">
               <a:rPr lang="en-US" smtClean="0"/>
-              <a:t>7/17/2015</a:t>
+              <a:t>21/07/15</a:t>
             </a:fld>
             <a:endParaRPr lang="en-US"/>
           </a:p>
@@ -2650,7 +2575,7 @@
           <a:p>
             <a:fld id="{AD302F98-DC2B-4A39-9182-287F68CE2A53}" type="datetimeFigureOut">
               <a:rPr lang="en-US" smtClean="0"/>
-              <a:t>7/17/2015</a:t>
+              <a:t>21/07/15</a:t>
             </a:fld>
             <a:endParaRPr lang="en-US"/>
           </a:p>
@@ -2898,7 +2823,7 @@
           <a:p>
             <a:fld id="{AD302F98-DC2B-4A39-9182-287F68CE2A53}" type="datetimeFigureOut">
               <a:rPr lang="en-US" smtClean="0"/>
-              <a:t>7/17/2015</a:t>
+              <a:t>21/07/15</a:t>
             </a:fld>
             <a:endParaRPr lang="en-US"/>
           </a:p>
@@ -3106,7 +3031,7 @@
           <a:p>
             <a:fld id="{AD302F98-DC2B-4A39-9182-287F68CE2A53}" type="datetimeFigureOut">
               <a:rPr lang="en-US" smtClean="0"/>
-              <a:t>7/17/2015</a:t>
+              <a:t>21/07/15</a:t>
             </a:fld>
             <a:endParaRPr lang="en-US"/>
           </a:p>
@@ -3662,6 +3587,706 @@
         </p:txBody>
       </p:sp>
     </p:spTree>
+    <p:extLst>
+      <p:ext uri="{BB962C8B-B14F-4D97-AF65-F5344CB8AC3E}">
+        <p14:creationId xmlns:p14="http://schemas.microsoft.com/office/powerpoint/2010/main" val="1911269289"/>
+      </p:ext>
+    </p:extLst>
+  </p:cSld>
+  <p:clrMapOvr>
+    <a:masterClrMapping/>
+  </p:clrMapOvr>
+</p:sld>
+</file>
+
+<file path=ppt/slides/slide10.xml><?xml version="1.0" encoding="utf-8"?>
+<p:sld xmlns:a="http://schemas.openxmlformats.org/drawingml/2006/main" xmlns:r="http://schemas.openxmlformats.org/officeDocument/2006/relationships" xmlns:p="http://schemas.openxmlformats.org/presentationml/2006/main">
+  <p:cSld>
+    <p:spTree>
+      <p:nvGrpSpPr>
+        <p:cNvPr id="1" name=""/>
+        <p:cNvGrpSpPr/>
+        <p:nvPr/>
+      </p:nvGrpSpPr>
+      <p:grpSpPr>
+        <a:xfrm>
+          <a:off x="0" y="0"/>
+          <a:ext cx="0" cy="0"/>
+          <a:chOff x="0" y="0"/>
+          <a:chExt cx="0" cy="0"/>
+        </a:xfrm>
+      </p:grpSpPr>
+      <p:sp>
+        <p:nvSpPr>
+          <p:cNvPr id="2" name="Title 1"/>
+          <p:cNvSpPr>
+            <a:spLocks noGrp="1"/>
+          </p:cNvSpPr>
+          <p:nvPr>
+            <p:ph type="title"/>
+          </p:nvPr>
+        </p:nvSpPr>
+        <p:spPr/>
+        <p:txBody>
+          <a:bodyPr/>
+          <a:lstStyle/>
+          <a:p>
+            <a:r>
+              <a:rPr lang="en-US" dirty="0">
+                <a:latin typeface="Arial" pitchFamily="34" charset="0"/>
+                <a:cs typeface="Arial" pitchFamily="34" charset="0"/>
+              </a:rPr>
+              <a:t>mRNA Cluster Analysis</a:t>
+            </a:r>
+            <a:endParaRPr lang="en-US" dirty="0">
+              <a:latin typeface="Arial" pitchFamily="34" charset="0"/>
+              <a:cs typeface="Arial" pitchFamily="34" charset="0"/>
+            </a:endParaRPr>
+          </a:p>
+        </p:txBody>
+      </p:sp>
+      <p:sp>
+        <p:nvSpPr>
+          <p:cNvPr id="3" name="Content Placeholder 2"/>
+          <p:cNvSpPr>
+            <a:spLocks noGrp="1"/>
+          </p:cNvSpPr>
+          <p:nvPr>
+            <p:ph idx="1"/>
+          </p:nvPr>
+        </p:nvSpPr>
+        <p:spPr>
+          <a:xfrm>
+            <a:off x="457200" y="1600200"/>
+            <a:ext cx="8229600" cy="4876800"/>
+          </a:xfrm>
+        </p:spPr>
+        <p:txBody>
+          <a:bodyPr>
+            <a:normAutofit/>
+          </a:bodyPr>
+          <a:lstStyle/>
+          <a:p>
+            <a:r>
+              <a:rPr lang="en-US" sz="2400" dirty="0">
+                <a:latin typeface="Arial" pitchFamily="34" charset="0"/>
+                <a:cs typeface="Arial" pitchFamily="34" charset="0"/>
+              </a:rPr>
+              <a:t>8</a:t>
+            </a:r>
+            <a:r>
+              <a:rPr lang="en-US" sz="2400" dirty="0" smtClean="0">
+                <a:latin typeface="Arial" pitchFamily="34" charset="0"/>
+                <a:cs typeface="Arial" pitchFamily="34" charset="0"/>
+              </a:rPr>
+              <a:t> </a:t>
+            </a:r>
+            <a:r>
+              <a:rPr lang="en-US" sz="2400" dirty="0">
+                <a:latin typeface="Arial" pitchFamily="34" charset="0"/>
+                <a:cs typeface="Arial" pitchFamily="34" charset="0"/>
+              </a:rPr>
+              <a:t>stable </a:t>
+            </a:r>
+            <a:r>
+              <a:rPr lang="en-US" sz="2400" dirty="0" smtClean="0">
+                <a:latin typeface="Arial" pitchFamily="34" charset="0"/>
+                <a:cs typeface="Arial" pitchFamily="34" charset="0"/>
+              </a:rPr>
+              <a:t>clusters</a:t>
+            </a:r>
+          </a:p>
+          <a:p>
+            <a:r>
+              <a:rPr lang="en-US" sz="2400" dirty="0">
+                <a:latin typeface="Arial" pitchFamily="34" charset="0"/>
+                <a:cs typeface="Arial" pitchFamily="34" charset="0"/>
+              </a:rPr>
+              <a:t>Clusters change more frequently than mRNA </a:t>
+            </a:r>
+            <a:r>
+              <a:rPr lang="en-US" sz="2400" dirty="0" smtClean="0">
+                <a:latin typeface="Arial" pitchFamily="34" charset="0"/>
+                <a:cs typeface="Arial" pitchFamily="34" charset="0"/>
+              </a:rPr>
+              <a:t>data.    </a:t>
+            </a:r>
+          </a:p>
+          <a:p>
+            <a:pPr marL="0" indent="0">
+              <a:buNone/>
+            </a:pPr>
+            <a:r>
+              <a:rPr lang="en-US" sz="2400" dirty="0">
+                <a:latin typeface="Arial" pitchFamily="34" charset="0"/>
+                <a:cs typeface="Arial" pitchFamily="34" charset="0"/>
+              </a:rPr>
+              <a:t> </a:t>
+            </a:r>
+            <a:r>
+              <a:rPr lang="en-US" sz="2400" dirty="0" smtClean="0">
+                <a:latin typeface="Arial" pitchFamily="34" charset="0"/>
+                <a:cs typeface="Arial" pitchFamily="34" charset="0"/>
+              </a:rPr>
+              <a:t>          miRNA </a:t>
+            </a:r>
+            <a:r>
+              <a:rPr lang="en-US" sz="2400" dirty="0">
+                <a:latin typeface="Arial" pitchFamily="34" charset="0"/>
+                <a:cs typeface="Arial" pitchFamily="34" charset="0"/>
+              </a:rPr>
+              <a:t>is noisier than mRNA data.</a:t>
+            </a:r>
+            <a:endParaRPr lang="en-US" sz="2400" dirty="0" smtClean="0">
+              <a:latin typeface="Arial" pitchFamily="34" charset="0"/>
+              <a:cs typeface="Arial" pitchFamily="34" charset="0"/>
+            </a:endParaRPr>
+          </a:p>
+        </p:txBody>
+      </p:sp>
+      <p:pic>
+        <p:nvPicPr>
+          <p:cNvPr id="4" name="Picture 3"/>
+          <p:cNvPicPr>
+            <a:picLocks noChangeAspect="1"/>
+          </p:cNvPicPr>
+          <p:nvPr/>
+        </p:nvPicPr>
+        <p:blipFill>
+          <a:blip r:embed="rId2" cstate="print">
+            <a:extLst>
+              <a:ext uri="{28A0092B-C50C-407E-A947-70E740481C1C}">
+                <a14:useLocalDpi xmlns:a14="http://schemas.microsoft.com/office/drawing/2010/main" val="0"/>
+              </a:ext>
+            </a:extLst>
+          </a:blip>
+          <a:stretch>
+            <a:fillRect/>
+          </a:stretch>
+        </p:blipFill>
+        <p:spPr>
+          <a:xfrm>
+            <a:off x="2286000" y="2971800"/>
+            <a:ext cx="4648200" cy="3352800"/>
+          </a:xfrm>
+          <a:prstGeom prst="rect">
+            <a:avLst/>
+          </a:prstGeom>
+        </p:spPr>
+      </p:pic>
+    </p:spTree>
+    <p:extLst>
+      <p:ext uri="{BB962C8B-B14F-4D97-AF65-F5344CB8AC3E}">
+        <p14:creationId xmlns:p14="http://schemas.microsoft.com/office/powerpoint/2010/main" val="1703775550"/>
+      </p:ext>
+    </p:extLst>
+  </p:cSld>
+  <p:clrMapOvr>
+    <a:masterClrMapping/>
+  </p:clrMapOvr>
+</p:sld>
+</file>
+
+<file path=ppt/slides/slide11.xml><?xml version="1.0" encoding="utf-8"?>
+<p:sld xmlns:a="http://schemas.openxmlformats.org/drawingml/2006/main" xmlns:r="http://schemas.openxmlformats.org/officeDocument/2006/relationships" xmlns:p="http://schemas.openxmlformats.org/presentationml/2006/main">
+  <p:cSld>
+    <p:spTree>
+      <p:nvGrpSpPr>
+        <p:cNvPr id="1" name=""/>
+        <p:cNvGrpSpPr/>
+        <p:nvPr/>
+      </p:nvGrpSpPr>
+      <p:grpSpPr>
+        <a:xfrm>
+          <a:off x="0" y="0"/>
+          <a:ext cx="0" cy="0"/>
+          <a:chOff x="0" y="0"/>
+          <a:chExt cx="0" cy="0"/>
+        </a:xfrm>
+      </p:grpSpPr>
+      <p:sp>
+        <p:nvSpPr>
+          <p:cNvPr id="2" name="Title 1"/>
+          <p:cNvSpPr>
+            <a:spLocks noGrp="1"/>
+          </p:cNvSpPr>
+          <p:nvPr>
+            <p:ph type="title"/>
+          </p:nvPr>
+        </p:nvSpPr>
+        <p:spPr/>
+        <p:txBody>
+          <a:bodyPr/>
+          <a:lstStyle/>
+          <a:p>
+            <a:r>
+              <a:rPr lang="en-US" dirty="0">
+                <a:latin typeface="Arial" pitchFamily="34" charset="0"/>
+                <a:cs typeface="Arial" pitchFamily="34" charset="0"/>
+              </a:rPr>
+              <a:t>Detailed mRNA Gene Analysis</a:t>
+            </a:r>
+            <a:endParaRPr lang="en-US" dirty="0">
+              <a:latin typeface="Arial" pitchFamily="34" charset="0"/>
+              <a:cs typeface="Arial" pitchFamily="34" charset="0"/>
+            </a:endParaRPr>
+          </a:p>
+        </p:txBody>
+      </p:sp>
+      <p:sp>
+        <p:nvSpPr>
+          <p:cNvPr id="3" name="Content Placeholder 2"/>
+          <p:cNvSpPr>
+            <a:spLocks noGrp="1"/>
+          </p:cNvSpPr>
+          <p:nvPr>
+            <p:ph idx="1"/>
+          </p:nvPr>
+        </p:nvSpPr>
+        <p:spPr>
+          <a:xfrm>
+            <a:off x="457200" y="1600200"/>
+            <a:ext cx="8229600" cy="4876800"/>
+          </a:xfrm>
+        </p:spPr>
+        <p:txBody>
+          <a:bodyPr>
+            <a:normAutofit/>
+          </a:bodyPr>
+          <a:lstStyle/>
+          <a:p>
+            <a:pPr marL="0" indent="0">
+              <a:buNone/>
+            </a:pPr>
+            <a:endParaRPr lang="en-US" sz="2400" dirty="0" smtClean="0">
+              <a:latin typeface="Arial" pitchFamily="34" charset="0"/>
+              <a:cs typeface="Arial" pitchFamily="34" charset="0"/>
+            </a:endParaRPr>
+          </a:p>
+        </p:txBody>
+      </p:sp>
+      <p:pic>
+        <p:nvPicPr>
+          <p:cNvPr id="4" name="Picture 3"/>
+          <p:cNvPicPr>
+            <a:picLocks noChangeAspect="1"/>
+          </p:cNvPicPr>
+          <p:nvPr/>
+        </p:nvPicPr>
+        <p:blipFill>
+          <a:blip r:embed="rId2" cstate="print">
+            <a:extLst>
+              <a:ext uri="{28A0092B-C50C-407E-A947-70E740481C1C}">
+                <a14:useLocalDpi xmlns:a14="http://schemas.microsoft.com/office/drawing/2010/main" val="0"/>
+              </a:ext>
+            </a:extLst>
+          </a:blip>
+          <a:stretch>
+            <a:fillRect/>
+          </a:stretch>
+        </p:blipFill>
+        <p:spPr>
+          <a:xfrm>
+            <a:off x="3352800" y="4114800"/>
+            <a:ext cx="2674620" cy="2057400"/>
+          </a:xfrm>
+          <a:prstGeom prst="rect">
+            <a:avLst/>
+          </a:prstGeom>
+        </p:spPr>
+      </p:pic>
+      <p:pic>
+        <p:nvPicPr>
+          <p:cNvPr id="5" name="Picture 4"/>
+          <p:cNvPicPr>
+            <a:picLocks noChangeAspect="1"/>
+          </p:cNvPicPr>
+          <p:nvPr/>
+        </p:nvPicPr>
+        <p:blipFill>
+          <a:blip r:embed="rId3" cstate="print">
+            <a:extLst>
+              <a:ext uri="{28A0092B-C50C-407E-A947-70E740481C1C}">
+                <a14:useLocalDpi xmlns:a14="http://schemas.microsoft.com/office/drawing/2010/main" val="0"/>
+              </a:ext>
+            </a:extLst>
+          </a:blip>
+          <a:stretch>
+            <a:fillRect/>
+          </a:stretch>
+        </p:blipFill>
+        <p:spPr>
+          <a:xfrm>
+            <a:off x="5646420" y="1676400"/>
+            <a:ext cx="2377440" cy="1828800"/>
+          </a:xfrm>
+          <a:prstGeom prst="rect">
+            <a:avLst/>
+          </a:prstGeom>
+        </p:spPr>
+      </p:pic>
+      <p:sp>
+        <p:nvSpPr>
+          <p:cNvPr id="6" name="TextBox 5"/>
+          <p:cNvSpPr txBox="1"/>
+          <p:nvPr/>
+        </p:nvSpPr>
+        <p:spPr>
+          <a:xfrm>
+            <a:off x="1524000" y="3733800"/>
+            <a:ext cx="1752600" cy="369332"/>
+          </a:xfrm>
+          <a:prstGeom prst="rect">
+            <a:avLst/>
+          </a:prstGeom>
+          <a:noFill/>
+        </p:spPr>
+        <p:txBody>
+          <a:bodyPr wrap="square" rtlCol="0">
+            <a:spAutoFit/>
+          </a:bodyPr>
+          <a:lstStyle/>
+          <a:p>
+            <a:r>
+              <a:rPr lang="en-US" dirty="0" smtClean="0"/>
+              <a:t>  mmu</a:t>
+            </a:r>
+            <a:r>
+              <a:rPr lang="en-US" dirty="0"/>
+              <a:t>-miR-100</a:t>
+            </a:r>
+          </a:p>
+        </p:txBody>
+      </p:sp>
+      <p:sp>
+        <p:nvSpPr>
+          <p:cNvPr id="8" name="TextBox 7"/>
+          <p:cNvSpPr txBox="1"/>
+          <p:nvPr/>
+        </p:nvSpPr>
+        <p:spPr>
+          <a:xfrm>
+            <a:off x="6172200" y="3581400"/>
+            <a:ext cx="1752600" cy="381000"/>
+          </a:xfrm>
+          <a:prstGeom prst="rect">
+            <a:avLst/>
+          </a:prstGeom>
+          <a:noFill/>
+        </p:spPr>
+        <p:txBody>
+          <a:bodyPr wrap="square" rtlCol="0">
+            <a:spAutoFit/>
+          </a:bodyPr>
+          <a:lstStyle/>
+          <a:p>
+            <a:r>
+              <a:rPr lang="en-US" dirty="0" smtClean="0"/>
+              <a:t>mmu</a:t>
+            </a:r>
+            <a:r>
+              <a:rPr lang="en-US" dirty="0"/>
+              <a:t>-miR</a:t>
+            </a:r>
+            <a:r>
+              <a:rPr lang="en-US" dirty="0" smtClean="0"/>
+              <a:t>-200a</a:t>
+            </a:r>
+            <a:endParaRPr lang="en-US" dirty="0"/>
+          </a:p>
+        </p:txBody>
+      </p:sp>
+      <p:pic>
+        <p:nvPicPr>
+          <p:cNvPr id="9" name="Picture 8"/>
+          <p:cNvPicPr>
+            <a:picLocks noChangeAspect="1"/>
+          </p:cNvPicPr>
+          <p:nvPr/>
+        </p:nvPicPr>
+        <p:blipFill>
+          <a:blip r:embed="rId4" cstate="print">
+            <a:extLst>
+              <a:ext uri="{28A0092B-C50C-407E-A947-70E740481C1C}">
+                <a14:useLocalDpi xmlns:a14="http://schemas.microsoft.com/office/drawing/2010/main" val="0"/>
+              </a:ext>
+            </a:extLst>
+          </a:blip>
+          <a:stretch>
+            <a:fillRect/>
+          </a:stretch>
+        </p:blipFill>
+        <p:spPr>
+          <a:xfrm>
+            <a:off x="1013460" y="1600200"/>
+            <a:ext cx="2773680" cy="2133600"/>
+          </a:xfrm>
+          <a:prstGeom prst="rect">
+            <a:avLst/>
+          </a:prstGeom>
+        </p:spPr>
+      </p:pic>
+      <p:sp>
+        <p:nvSpPr>
+          <p:cNvPr id="10" name="TextBox 9"/>
+          <p:cNvSpPr txBox="1"/>
+          <p:nvPr/>
+        </p:nvSpPr>
+        <p:spPr>
+          <a:xfrm>
+            <a:off x="3962400" y="6096000"/>
+            <a:ext cx="1752600" cy="381000"/>
+          </a:xfrm>
+          <a:prstGeom prst="rect">
+            <a:avLst/>
+          </a:prstGeom>
+          <a:noFill/>
+        </p:spPr>
+        <p:txBody>
+          <a:bodyPr wrap="square" rtlCol="0">
+            <a:spAutoFit/>
+          </a:bodyPr>
+          <a:lstStyle/>
+          <a:p>
+            <a:r>
+              <a:rPr lang="en-US" dirty="0" smtClean="0"/>
+              <a:t>  </a:t>
+            </a:r>
+            <a:r>
+              <a:rPr lang="en-US" dirty="0"/>
+              <a:t> mmu-miR</a:t>
+            </a:r>
+            <a:r>
+              <a:rPr lang="en-US" dirty="0" smtClean="0"/>
+              <a:t>-377</a:t>
+            </a:r>
+            <a:endParaRPr lang="en-US" dirty="0"/>
+          </a:p>
+        </p:txBody>
+      </p:sp>
+    </p:spTree>
+    <p:extLst>
+      <p:ext uri="{BB962C8B-B14F-4D97-AF65-F5344CB8AC3E}">
+        <p14:creationId xmlns:p14="http://schemas.microsoft.com/office/powerpoint/2010/main" val="98868826"/>
+      </p:ext>
+    </p:extLst>
+  </p:cSld>
+  <p:clrMapOvr>
+    <a:masterClrMapping/>
+  </p:clrMapOvr>
+</p:sld>
+</file>
+
+<file path=ppt/slides/slide12.xml><?xml version="1.0" encoding="utf-8"?>
+<p:sld xmlns:a="http://schemas.openxmlformats.org/drawingml/2006/main" xmlns:r="http://schemas.openxmlformats.org/officeDocument/2006/relationships" xmlns:p="http://schemas.openxmlformats.org/presentationml/2006/main">
+  <p:cSld>
+    <p:spTree>
+      <p:nvGrpSpPr>
+        <p:cNvPr id="1" name=""/>
+        <p:cNvGrpSpPr/>
+        <p:nvPr/>
+      </p:nvGrpSpPr>
+      <p:grpSpPr>
+        <a:xfrm>
+          <a:off x="0" y="0"/>
+          <a:ext cx="0" cy="0"/>
+          <a:chOff x="0" y="0"/>
+          <a:chExt cx="0" cy="0"/>
+        </a:xfrm>
+      </p:grpSpPr>
+      <p:sp>
+        <p:nvSpPr>
+          <p:cNvPr id="2" name="Title 1"/>
+          <p:cNvSpPr>
+            <a:spLocks noGrp="1"/>
+          </p:cNvSpPr>
+          <p:nvPr>
+            <p:ph type="title"/>
+          </p:nvPr>
+        </p:nvSpPr>
+        <p:spPr/>
+        <p:txBody>
+          <a:bodyPr/>
+          <a:lstStyle/>
+          <a:p>
+            <a:r>
+              <a:rPr lang="en-US" dirty="0" smtClean="0">
+                <a:latin typeface="Arial" pitchFamily="34" charset="0"/>
+                <a:cs typeface="Arial" pitchFamily="34" charset="0"/>
+              </a:rPr>
+              <a:t>Conclusion</a:t>
+            </a:r>
+            <a:endParaRPr lang="en-US" dirty="0">
+              <a:latin typeface="Arial" pitchFamily="34" charset="0"/>
+              <a:cs typeface="Arial" pitchFamily="34" charset="0"/>
+            </a:endParaRPr>
+          </a:p>
+        </p:txBody>
+      </p:sp>
+      <p:sp>
+        <p:nvSpPr>
+          <p:cNvPr id="3" name="Content Placeholder 2"/>
+          <p:cNvSpPr>
+            <a:spLocks noGrp="1"/>
+          </p:cNvSpPr>
+          <p:nvPr>
+            <p:ph idx="1"/>
+          </p:nvPr>
+        </p:nvSpPr>
+        <p:spPr/>
+        <p:txBody>
+          <a:bodyPr>
+            <a:normAutofit lnSpcReduction="10000"/>
+          </a:bodyPr>
+          <a:lstStyle/>
+          <a:p>
+            <a:pPr marL="0" indent="0">
+              <a:buNone/>
+            </a:pPr>
+            <a:r>
+              <a:rPr lang="en-US" sz="2400" dirty="0">
+                <a:latin typeface="Arial" pitchFamily="34" charset="0"/>
+                <a:cs typeface="Arial" pitchFamily="34" charset="0"/>
+              </a:rPr>
+              <a:t> </a:t>
+            </a:r>
+            <a:r>
+              <a:rPr lang="en-US" sz="2400" dirty="0" smtClean="0">
+                <a:latin typeface="Arial" pitchFamily="34" charset="0"/>
+                <a:cs typeface="Arial" pitchFamily="34" charset="0"/>
+              </a:rPr>
+              <a:t>   </a:t>
+            </a:r>
+          </a:p>
+          <a:p>
+            <a:r>
+              <a:rPr lang="en-US" sz="2400" dirty="0">
+                <a:latin typeface="Arial" pitchFamily="34" charset="0"/>
+                <a:cs typeface="Arial" pitchFamily="34" charset="0"/>
+              </a:rPr>
+              <a:t>Carefully selected subset of time points is important </a:t>
+            </a:r>
+            <a:r>
+              <a:rPr lang="en-US" sz="2400" dirty="0" smtClean="0">
+                <a:latin typeface="Arial" pitchFamily="34" charset="0"/>
+                <a:cs typeface="Arial" pitchFamily="34" charset="0"/>
+              </a:rPr>
+              <a:t>in  </a:t>
+            </a:r>
+            <a:r>
+              <a:rPr lang="en-US" sz="2400" dirty="0">
+                <a:latin typeface="Arial" pitchFamily="34" charset="0"/>
+                <a:cs typeface="Arial" pitchFamily="34" charset="0"/>
+              </a:rPr>
+              <a:t>reconstructing whole gene-expression over </a:t>
+            </a:r>
+            <a:r>
+              <a:rPr lang="en-US" sz="2400" dirty="0" smtClean="0">
+                <a:latin typeface="Arial" pitchFamily="34" charset="0"/>
+                <a:cs typeface="Arial" pitchFamily="34" charset="0"/>
+              </a:rPr>
+              <a:t>time</a:t>
+            </a:r>
+          </a:p>
+          <a:p>
+            <a:endParaRPr lang="en-US" sz="2400" dirty="0" smtClean="0">
+              <a:latin typeface="Arial" pitchFamily="34" charset="0"/>
+              <a:cs typeface="Arial" pitchFamily="34" charset="0"/>
+            </a:endParaRPr>
+          </a:p>
+          <a:p>
+            <a:r>
+              <a:rPr lang="en-US" sz="2400" dirty="0" smtClean="0">
+                <a:latin typeface="Arial" pitchFamily="34" charset="0"/>
+                <a:cs typeface="Arial" pitchFamily="34" charset="0"/>
+              </a:rPr>
+              <a:t>Spline </a:t>
+            </a:r>
+            <a:r>
+              <a:rPr lang="en-US" sz="2400" dirty="0">
+                <a:latin typeface="Arial" pitchFamily="34" charset="0"/>
+                <a:cs typeface="Arial" pitchFamily="34" charset="0"/>
+              </a:rPr>
+              <a:t>based reconstruction outperforms simpler linear </a:t>
+            </a:r>
+            <a:r>
+              <a:rPr lang="en-US" sz="2400" dirty="0" smtClean="0">
+                <a:latin typeface="Arial" pitchFamily="34" charset="0"/>
+                <a:cs typeface="Arial" pitchFamily="34" charset="0"/>
+              </a:rPr>
+              <a:t>reconstruction</a:t>
+            </a:r>
+          </a:p>
+          <a:p>
+            <a:endParaRPr lang="en-US" sz="2400" dirty="0" smtClean="0">
+              <a:latin typeface="Arial" pitchFamily="34" charset="0"/>
+              <a:cs typeface="Arial" pitchFamily="34" charset="0"/>
+            </a:endParaRPr>
+          </a:p>
+          <a:p>
+            <a:r>
+              <a:rPr lang="en-US" sz="2400" dirty="0" smtClean="0">
+                <a:latin typeface="Arial" pitchFamily="34" charset="0"/>
+                <a:cs typeface="Arial" pitchFamily="34" charset="0"/>
+              </a:rPr>
+              <a:t>Analysis </a:t>
+            </a:r>
+            <a:r>
+              <a:rPr lang="en-US" sz="2400" dirty="0">
+                <a:latin typeface="Arial" pitchFamily="34" charset="0"/>
+                <a:cs typeface="Arial" pitchFamily="34" charset="0"/>
+              </a:rPr>
+              <a:t>of mRNA is a nice representative of larger miRNA </a:t>
+            </a:r>
+            <a:r>
+              <a:rPr lang="en-US" sz="2400" dirty="0" smtClean="0">
+                <a:latin typeface="Arial" pitchFamily="34" charset="0"/>
+                <a:cs typeface="Arial" pitchFamily="34" charset="0"/>
+              </a:rPr>
+              <a:t>study</a:t>
+            </a:r>
+          </a:p>
+          <a:p>
+            <a:pPr marL="0" indent="0">
+              <a:buNone/>
+            </a:pPr>
+            <a:r>
+              <a:rPr lang="en-US" sz="2400" dirty="0">
+                <a:latin typeface="Arial" pitchFamily="34" charset="0"/>
+                <a:cs typeface="Arial" pitchFamily="34" charset="0"/>
+              </a:rPr>
+              <a:t> </a:t>
+            </a:r>
+            <a:r>
+              <a:rPr lang="en-US" sz="2400" dirty="0" smtClean="0">
+                <a:latin typeface="Arial" pitchFamily="34" charset="0"/>
+                <a:cs typeface="Arial" pitchFamily="34" charset="0"/>
+              </a:rPr>
+              <a:t>          Similar </a:t>
+            </a:r>
+            <a:r>
+              <a:rPr lang="en-US" sz="2400" dirty="0">
+                <a:latin typeface="Arial" pitchFamily="34" charset="0"/>
+                <a:cs typeface="Arial" pitchFamily="34" charset="0"/>
+              </a:rPr>
+              <a:t>subset of time points can reconstruct both </a:t>
+            </a:r>
+            <a:r>
+              <a:rPr lang="en-US" sz="2400" dirty="0" smtClean="0">
+                <a:latin typeface="Arial" pitchFamily="34" charset="0"/>
+                <a:cs typeface="Arial" pitchFamily="34" charset="0"/>
+              </a:rPr>
+              <a:t>data</a:t>
+            </a:r>
+          </a:p>
+        </p:txBody>
+      </p:sp>
+    </p:spTree>
+    <p:extLst>
+      <p:ext uri="{BB962C8B-B14F-4D97-AF65-F5344CB8AC3E}">
+        <p14:creationId xmlns:p14="http://schemas.microsoft.com/office/powerpoint/2010/main" val="1517067264"/>
+      </p:ext>
+    </p:extLst>
   </p:cSld>
   <p:clrMapOvr>
     <a:masterClrMapping/>
@@ -3881,9 +4506,7 @@
         </p:nvSpPr>
         <p:spPr/>
         <p:txBody>
-          <a:bodyPr>
-            <a:normAutofit/>
-          </a:bodyPr>
+          <a:bodyPr/>
           <a:lstStyle/>
           <a:p>
             <a:r>
@@ -3891,7 +4514,14 @@
                 <a:latin typeface="Arial" pitchFamily="34" charset="0"/>
                 <a:cs typeface="Arial" pitchFamily="34" charset="0"/>
               </a:rPr>
-              <a:t>Error </a:t>
+              <a:t>Selected time </a:t>
+            </a:r>
+            <a:r>
+              <a:rPr lang="en-US" dirty="0" smtClean="0">
+                <a:latin typeface="Arial" pitchFamily="34" charset="0"/>
+                <a:cs typeface="Arial" pitchFamily="34" charset="0"/>
+              </a:rPr>
+              <a:t>points</a:t>
             </a:r>
             <a:endParaRPr lang="en-US" dirty="0">
               <a:latin typeface="Arial" pitchFamily="34" charset="0"/>
@@ -3900,31 +4530,1681 @@
           </a:p>
         </p:txBody>
       </p:sp>
+      <p:sp>
+        <p:nvSpPr>
+          <p:cNvPr id="3" name="Content Placeholder 2"/>
+          <p:cNvSpPr>
+            <a:spLocks noGrp="1"/>
+          </p:cNvSpPr>
+          <p:nvPr>
+            <p:ph idx="1"/>
+          </p:nvPr>
+        </p:nvSpPr>
+        <p:spPr/>
+        <p:txBody>
+          <a:bodyPr>
+            <a:normAutofit/>
+          </a:bodyPr>
+          <a:lstStyle/>
+          <a:p>
+            <a:endParaRPr lang="en-US" sz="2400" dirty="0" smtClean="0">
+              <a:latin typeface="Arial" pitchFamily="34" charset="0"/>
+              <a:cs typeface="Arial" pitchFamily="34" charset="0"/>
+            </a:endParaRPr>
+          </a:p>
+          <a:p>
+            <a:r>
+              <a:rPr lang="en-US" sz="2400" dirty="0" smtClean="0">
+                <a:latin typeface="Arial" pitchFamily="34" charset="0"/>
+                <a:cs typeface="Arial" pitchFamily="34" charset="0"/>
+              </a:rPr>
+              <a:t>Best </a:t>
+            </a:r>
+            <a:r>
+              <a:rPr lang="en-US" sz="2400" dirty="0">
+                <a:latin typeface="Arial" pitchFamily="34" charset="0"/>
+                <a:cs typeface="Arial" pitchFamily="34" charset="0"/>
+              </a:rPr>
+              <a:t>informed guess” is </a:t>
+            </a:r>
+            <a:r>
+              <a:rPr lang="en-US" sz="2400" dirty="0" smtClean="0">
+                <a:latin typeface="Arial" pitchFamily="34" charset="0"/>
+                <a:cs typeface="Arial" pitchFamily="34" charset="0"/>
+              </a:rPr>
+              <a:t>initializing </a:t>
+            </a:r>
+            <a:r>
+              <a:rPr lang="en-US" sz="2400" dirty="0">
+                <a:latin typeface="Arial" pitchFamily="34" charset="0"/>
+                <a:cs typeface="Arial" pitchFamily="34" charset="0"/>
+              </a:rPr>
+              <a:t>by points that </a:t>
+            </a:r>
+            <a:r>
+              <a:rPr lang="en-US" sz="2400" dirty="0" smtClean="0">
+                <a:latin typeface="Arial" pitchFamily="34" charset="0"/>
+                <a:cs typeface="Arial" pitchFamily="34" charset="0"/>
+              </a:rPr>
+              <a:t>are sorted </a:t>
+            </a:r>
+            <a:r>
+              <a:rPr lang="en-US" sz="2400" dirty="0">
+                <a:latin typeface="Arial" pitchFamily="34" charset="0"/>
+                <a:cs typeface="Arial" pitchFamily="34" charset="0"/>
+              </a:rPr>
+              <a:t>by increasing absolute differences.</a:t>
+            </a:r>
+          </a:p>
+          <a:p>
+            <a:endParaRPr lang="en-US" sz="2400" dirty="0" smtClean="0">
+              <a:latin typeface="Arial" pitchFamily="34" charset="0"/>
+              <a:cs typeface="Arial" pitchFamily="34" charset="0"/>
+            </a:endParaRPr>
+          </a:p>
+          <a:p>
+            <a:r>
+              <a:rPr lang="en-US" sz="2400" dirty="0" smtClean="0">
+                <a:latin typeface="Arial" pitchFamily="34" charset="0"/>
+                <a:cs typeface="Arial" pitchFamily="34" charset="0"/>
+              </a:rPr>
+              <a:t>Selected </a:t>
+            </a:r>
+            <a:r>
+              <a:rPr lang="en-US" sz="2400" dirty="0">
+                <a:latin typeface="Arial" pitchFamily="34" charset="0"/>
+                <a:cs typeface="Arial" pitchFamily="34" charset="0"/>
+              </a:rPr>
+              <a:t>$15$ time points from mRNA is:</a:t>
+            </a:r>
+          </a:p>
+          <a:p>
+            <a:pPr marL="0" indent="0">
+              <a:buNone/>
+            </a:pPr>
+            <a:r>
+              <a:rPr lang="en-US" sz="2400" dirty="0" smtClean="0">
+                <a:latin typeface="Arial" pitchFamily="34" charset="0"/>
+                <a:cs typeface="Arial" pitchFamily="34" charset="0"/>
+              </a:rPr>
+              <a:t>     [</a:t>
+            </a:r>
+            <a:r>
+              <a:rPr lang="en-US" sz="2400" dirty="0">
+                <a:latin typeface="Arial" pitchFamily="34" charset="0"/>
+                <a:cs typeface="Arial" pitchFamily="34" charset="0"/>
+              </a:rPr>
+              <a:t>0.5, 1.0, 1.5, 2.5, 3.0, 4.5, 6.0, 7.5, 8.5, 9.5, 10.0, 12.5, 18.0, 24.0, </a:t>
+            </a:r>
+            <a:r>
+              <a:rPr lang="en-US" sz="2400" dirty="0" smtClean="0">
+                <a:latin typeface="Arial" pitchFamily="34" charset="0"/>
+                <a:cs typeface="Arial" pitchFamily="34" charset="0"/>
+              </a:rPr>
+              <a:t>28.0</a:t>
+            </a:r>
+            <a:r>
+              <a:rPr lang="en-US" sz="2400" dirty="0">
+                <a:latin typeface="Arial" pitchFamily="34" charset="0"/>
+                <a:cs typeface="Arial" pitchFamily="34" charset="0"/>
+              </a:rPr>
+              <a:t> </a:t>
+            </a:r>
+            <a:endParaRPr lang="en-US" sz="2400" dirty="0" smtClean="0">
+              <a:latin typeface="Arial" pitchFamily="34" charset="0"/>
+              <a:cs typeface="Arial" pitchFamily="34" charset="0"/>
+            </a:endParaRPr>
+          </a:p>
+          <a:p>
+            <a:pPr marL="0" indent="0">
+              <a:buNone/>
+            </a:pPr>
+            <a:endParaRPr lang="en-US" sz="2400" dirty="0" smtClean="0">
+              <a:latin typeface="Arial" pitchFamily="34" charset="0"/>
+              <a:cs typeface="Arial" pitchFamily="34" charset="0"/>
+            </a:endParaRPr>
+          </a:p>
+          <a:p>
+            <a:r>
+              <a:rPr lang="en-US" sz="2400" dirty="0">
+                <a:latin typeface="Arial" pitchFamily="34" charset="0"/>
+                <a:cs typeface="Arial" pitchFamily="34" charset="0"/>
+              </a:rPr>
+              <a:t>Top </a:t>
+            </a:r>
+            <a:r>
+              <a:rPr lang="en-US" sz="2400" dirty="0" smtClean="0">
+                <a:latin typeface="Arial" pitchFamily="34" charset="0"/>
+                <a:cs typeface="Arial" pitchFamily="34" charset="0"/>
+              </a:rPr>
+              <a:t>10 </a:t>
+            </a:r>
+            <a:r>
+              <a:rPr lang="en-US" sz="2400" dirty="0">
+                <a:latin typeface="Arial" pitchFamily="34" charset="0"/>
+                <a:cs typeface="Arial" pitchFamily="34" charset="0"/>
+              </a:rPr>
+              <a:t>solutions are similar to these selected </a:t>
+            </a:r>
+            <a:r>
+              <a:rPr lang="en-US" sz="2400" dirty="0" smtClean="0">
+                <a:latin typeface="Arial" pitchFamily="34" charset="0"/>
+                <a:cs typeface="Arial" pitchFamily="34" charset="0"/>
+              </a:rPr>
+              <a:t>points</a:t>
+            </a:r>
+          </a:p>
+          <a:p>
+            <a:pPr marL="0" indent="0">
+              <a:buNone/>
+            </a:pPr>
+            <a:endParaRPr lang="en-US" sz="2400" dirty="0" smtClean="0">
+              <a:latin typeface="Arial" pitchFamily="34" charset="0"/>
+              <a:cs typeface="Arial" pitchFamily="34" charset="0"/>
+            </a:endParaRPr>
+          </a:p>
+        </p:txBody>
+      </p:sp>
+    </p:spTree>
+  </p:cSld>
+  <p:clrMapOvr>
+    <a:masterClrMapping/>
+  </p:clrMapOvr>
+</p:sld>
+</file>
+
+<file path=ppt/slides/slide4.xml><?xml version="1.0" encoding="utf-8"?>
+<p:sld xmlns:a="http://schemas.openxmlformats.org/drawingml/2006/main" xmlns:r="http://schemas.openxmlformats.org/officeDocument/2006/relationships" xmlns:p="http://schemas.openxmlformats.org/presentationml/2006/main">
+  <p:cSld>
+    <p:spTree>
+      <p:nvGrpSpPr>
+        <p:cNvPr id="1" name=""/>
+        <p:cNvGrpSpPr/>
+        <p:nvPr/>
+      </p:nvGrpSpPr>
+      <p:grpSpPr>
+        <a:xfrm>
+          <a:off x="0" y="0"/>
+          <a:ext cx="0" cy="0"/>
+          <a:chOff x="0" y="0"/>
+          <a:chExt cx="0" cy="0"/>
+        </a:xfrm>
+      </p:grpSpPr>
+      <p:sp>
+        <p:nvSpPr>
+          <p:cNvPr id="2" name="Title 1"/>
+          <p:cNvSpPr>
+            <a:spLocks noGrp="1"/>
+          </p:cNvSpPr>
+          <p:nvPr>
+            <p:ph type="title"/>
+          </p:nvPr>
+        </p:nvSpPr>
+        <p:spPr/>
+        <p:txBody>
+          <a:bodyPr/>
+          <a:lstStyle/>
+          <a:p>
+            <a:r>
+              <a:rPr lang="en-US" dirty="0" smtClean="0">
+                <a:latin typeface="Arial" pitchFamily="34" charset="0"/>
+                <a:cs typeface="Arial" pitchFamily="34" charset="0"/>
+              </a:rPr>
+              <a:t>Error by increasing #points</a:t>
+            </a:r>
+            <a:endParaRPr lang="en-US" dirty="0">
+              <a:latin typeface="Arial" pitchFamily="34" charset="0"/>
+              <a:cs typeface="Arial" pitchFamily="34" charset="0"/>
+            </a:endParaRPr>
+          </a:p>
+        </p:txBody>
+      </p:sp>
+      <p:sp>
+        <p:nvSpPr>
+          <p:cNvPr id="3" name="Content Placeholder 2"/>
+          <p:cNvSpPr>
+            <a:spLocks noGrp="1"/>
+          </p:cNvSpPr>
+          <p:nvPr>
+            <p:ph idx="1"/>
+          </p:nvPr>
+        </p:nvSpPr>
+        <p:spPr/>
+        <p:txBody>
+          <a:bodyPr>
+            <a:normAutofit/>
+          </a:bodyPr>
+          <a:lstStyle/>
+          <a:p>
+            <a:r>
+              <a:rPr lang="en-US" sz="2400" dirty="0">
+                <a:latin typeface="Arial" pitchFamily="34" charset="0"/>
+                <a:cs typeface="Arial" pitchFamily="34" charset="0"/>
+              </a:rPr>
+              <a:t>Major performance improvement over randomly selected </a:t>
+            </a:r>
+            <a:r>
+              <a:rPr lang="en-US" sz="2400" dirty="0" smtClean="0">
+                <a:latin typeface="Arial" pitchFamily="34" charset="0"/>
+                <a:cs typeface="Arial" pitchFamily="34" charset="0"/>
+              </a:rPr>
+              <a:t>points</a:t>
+            </a:r>
+            <a:endParaRPr lang="en-US" sz="2400" dirty="0">
+              <a:latin typeface="Arial" pitchFamily="34" charset="0"/>
+              <a:cs typeface="Arial" pitchFamily="34" charset="0"/>
+            </a:endParaRPr>
+          </a:p>
+          <a:p>
+            <a:endParaRPr lang="en-US" sz="2400" dirty="0" smtClean="0">
+              <a:latin typeface="Arial" pitchFamily="34" charset="0"/>
+              <a:cs typeface="Arial" pitchFamily="34" charset="0"/>
+            </a:endParaRPr>
+          </a:p>
+        </p:txBody>
+      </p:sp>
       <p:pic>
         <p:nvPicPr>
-          <p:cNvPr id="5" name="Picture 4" descr="perform.png"/>
+          <p:cNvPr id="4" name="Picture 3" descr="perform.png"/>
           <p:cNvPicPr>
             <a:picLocks noChangeAspect="1"/>
           </p:cNvPicPr>
           <p:nvPr/>
         </p:nvPicPr>
         <p:blipFill>
-          <a:blip r:embed="rId3" cstate="print"/>
+          <a:blip r:embed="rId2" cstate="print">
+            <a:extLst>
+              <a:ext uri="{28A0092B-C50C-407E-A947-70E740481C1C}">
+                <a14:useLocalDpi xmlns:a14="http://schemas.microsoft.com/office/drawing/2010/main" val="0"/>
+              </a:ext>
+            </a:extLst>
+          </a:blip>
           <a:stretch>
             <a:fillRect/>
           </a:stretch>
         </p:blipFill>
         <p:spPr>
           <a:xfrm>
-            <a:off x="1219200" y="1295400"/>
-            <a:ext cx="6537973" cy="5029210"/>
+            <a:off x="533400" y="2514600"/>
+            <a:ext cx="3886200" cy="3505200"/>
           </a:xfrm>
           <a:prstGeom prst="rect">
             <a:avLst/>
           </a:prstGeom>
         </p:spPr>
       </p:pic>
+      <p:pic>
+        <p:nvPicPr>
+          <p:cNvPr id="5" name="Picture 4" descr="performRL2.png"/>
+          <p:cNvPicPr>
+            <a:picLocks noChangeAspect="1"/>
+          </p:cNvPicPr>
+          <p:nvPr/>
+        </p:nvPicPr>
+        <p:blipFill>
+          <a:blip r:embed="rId3" cstate="print">
+            <a:extLst>
+              <a:ext uri="{28A0092B-C50C-407E-A947-70E740481C1C}">
+                <a14:useLocalDpi xmlns:a14="http://schemas.microsoft.com/office/drawing/2010/main" val="0"/>
+              </a:ext>
+            </a:extLst>
+          </a:blip>
+          <a:stretch>
+            <a:fillRect/>
+          </a:stretch>
+        </p:blipFill>
+        <p:spPr>
+          <a:xfrm>
+            <a:off x="4724400" y="2590800"/>
+            <a:ext cx="4038600" cy="3352800"/>
+          </a:xfrm>
+          <a:prstGeom prst="rect">
+            <a:avLst/>
+          </a:prstGeom>
+        </p:spPr>
+      </p:pic>
+      <p:sp>
+        <p:nvSpPr>
+          <p:cNvPr id="7" name="TextBox 6"/>
+          <p:cNvSpPr txBox="1"/>
+          <p:nvPr/>
+        </p:nvSpPr>
+        <p:spPr>
+          <a:xfrm>
+            <a:off x="1752600" y="6096000"/>
+            <a:ext cx="1752600" cy="381000"/>
+          </a:xfrm>
+          <a:prstGeom prst="rect">
+            <a:avLst/>
+          </a:prstGeom>
+          <a:noFill/>
+        </p:spPr>
+        <p:txBody>
+          <a:bodyPr wrap="square" rtlCol="0">
+            <a:spAutoFit/>
+          </a:bodyPr>
+          <a:lstStyle/>
+          <a:p>
+            <a:r>
+              <a:rPr lang="en-US" dirty="0" smtClean="0"/>
+              <a:t>     Performance</a:t>
+            </a:r>
+            <a:endParaRPr lang="en-US" dirty="0"/>
+          </a:p>
+        </p:txBody>
+      </p:sp>
+      <p:sp>
+        <p:nvSpPr>
+          <p:cNvPr id="8" name="TextBox 7"/>
+          <p:cNvSpPr txBox="1"/>
+          <p:nvPr/>
+        </p:nvSpPr>
+        <p:spPr>
+          <a:xfrm>
+            <a:off x="6019800" y="6019800"/>
+            <a:ext cx="2590800" cy="369332"/>
+          </a:xfrm>
+          <a:prstGeom prst="rect">
+            <a:avLst/>
+          </a:prstGeom>
+          <a:noFill/>
+        </p:spPr>
+        <p:txBody>
+          <a:bodyPr wrap="square" rtlCol="0">
+            <a:spAutoFit/>
+          </a:bodyPr>
+          <a:lstStyle/>
+          <a:p>
+            <a:r>
+              <a:rPr lang="en-US" dirty="0" smtClean="0"/>
+              <a:t>   Remove last two points</a:t>
+            </a:r>
+            <a:endParaRPr lang="en-US" dirty="0"/>
+          </a:p>
+        </p:txBody>
+      </p:sp>
     </p:spTree>
+    <p:extLst>
+      <p:ext uri="{BB962C8B-B14F-4D97-AF65-F5344CB8AC3E}">
+        <p14:creationId xmlns:p14="http://schemas.microsoft.com/office/powerpoint/2010/main" val="256531854"/>
+      </p:ext>
+    </p:extLst>
+  </p:cSld>
+  <p:clrMapOvr>
+    <a:masterClrMapping/>
+  </p:clrMapOvr>
+</p:sld>
+</file>
+
+<file path=ppt/slides/slide5.xml><?xml version="1.0" encoding="utf-8"?>
+<p:sld xmlns:a="http://schemas.openxmlformats.org/drawingml/2006/main" xmlns:r="http://schemas.openxmlformats.org/officeDocument/2006/relationships" xmlns:p="http://schemas.openxmlformats.org/presentationml/2006/main">
+  <p:cSld>
+    <p:spTree>
+      <p:nvGrpSpPr>
+        <p:cNvPr id="1" name=""/>
+        <p:cNvGrpSpPr/>
+        <p:nvPr/>
+      </p:nvGrpSpPr>
+      <p:grpSpPr>
+        <a:xfrm>
+          <a:off x="0" y="0"/>
+          <a:ext cx="0" cy="0"/>
+          <a:chOff x="0" y="0"/>
+          <a:chExt cx="0" cy="0"/>
+        </a:xfrm>
+      </p:grpSpPr>
+      <p:sp>
+        <p:nvSpPr>
+          <p:cNvPr id="2" name="Title 1"/>
+          <p:cNvSpPr>
+            <a:spLocks noGrp="1"/>
+          </p:cNvSpPr>
+          <p:nvPr>
+            <p:ph type="title"/>
+          </p:nvPr>
+        </p:nvSpPr>
+        <p:spPr/>
+        <p:txBody>
+          <a:bodyPr/>
+          <a:lstStyle/>
+          <a:p>
+            <a:r>
+              <a:rPr lang="en-US" dirty="0">
+                <a:latin typeface="Arial" pitchFamily="34" charset="0"/>
+                <a:cs typeface="Arial" pitchFamily="34" charset="0"/>
+              </a:rPr>
+              <a:t>mRNA Cluster Analysis</a:t>
+            </a:r>
+            <a:endParaRPr lang="en-US" dirty="0">
+              <a:latin typeface="Arial" pitchFamily="34" charset="0"/>
+              <a:cs typeface="Arial" pitchFamily="34" charset="0"/>
+            </a:endParaRPr>
+          </a:p>
+        </p:txBody>
+      </p:sp>
+      <p:sp>
+        <p:nvSpPr>
+          <p:cNvPr id="3" name="Content Placeholder 2"/>
+          <p:cNvSpPr>
+            <a:spLocks noGrp="1"/>
+          </p:cNvSpPr>
+          <p:nvPr>
+            <p:ph idx="1"/>
+          </p:nvPr>
+        </p:nvSpPr>
+        <p:spPr>
+          <a:xfrm>
+            <a:off x="457200" y="1600200"/>
+            <a:ext cx="8229600" cy="4876800"/>
+          </a:xfrm>
+        </p:spPr>
+        <p:txBody>
+          <a:bodyPr>
+            <a:normAutofit/>
+          </a:bodyPr>
+          <a:lstStyle/>
+          <a:p>
+            <a:r>
+              <a:rPr lang="en-US" sz="2400" dirty="0" smtClean="0">
+                <a:latin typeface="Arial" pitchFamily="34" charset="0"/>
+                <a:cs typeface="Arial" pitchFamily="34" charset="0"/>
+              </a:rPr>
+              <a:t>6 </a:t>
+            </a:r>
+            <a:r>
+              <a:rPr lang="en-US" sz="2400" dirty="0">
+                <a:latin typeface="Arial" pitchFamily="34" charset="0"/>
+                <a:cs typeface="Arial" pitchFamily="34" charset="0"/>
+              </a:rPr>
+              <a:t>stable </a:t>
+            </a:r>
+            <a:r>
+              <a:rPr lang="en-US" sz="2400" dirty="0" smtClean="0">
+                <a:latin typeface="Arial" pitchFamily="34" charset="0"/>
+                <a:cs typeface="Arial" pitchFamily="34" charset="0"/>
+              </a:rPr>
+              <a:t>clusters</a:t>
+            </a:r>
+          </a:p>
+          <a:p>
+            <a:r>
+              <a:rPr lang="en-US" sz="2400" dirty="0" smtClean="0">
+                <a:latin typeface="Arial" pitchFamily="34" charset="0"/>
+                <a:cs typeface="Arial" pitchFamily="34" charset="0"/>
+              </a:rPr>
+              <a:t>Yellow </a:t>
+            </a:r>
+            <a:r>
+              <a:rPr lang="en-US" sz="2400" dirty="0">
+                <a:latin typeface="Arial" pitchFamily="34" charset="0"/>
+                <a:cs typeface="Arial" pitchFamily="34" charset="0"/>
+              </a:rPr>
+              <a:t>cluster corresponds to the genes with </a:t>
+            </a:r>
+            <a:r>
+              <a:rPr lang="en-US" sz="2400" dirty="0" smtClean="0">
+                <a:latin typeface="Arial" pitchFamily="34" charset="0"/>
+                <a:cs typeface="Arial" pitchFamily="34" charset="0"/>
+              </a:rPr>
+              <a:t>non monotonic expression over </a:t>
+            </a:r>
+            <a:r>
+              <a:rPr lang="en-US" sz="2400" dirty="0">
+                <a:latin typeface="Arial" pitchFamily="34" charset="0"/>
+                <a:cs typeface="Arial" pitchFamily="34" charset="0"/>
+              </a:rPr>
+              <a:t>time</a:t>
+            </a:r>
+            <a:endParaRPr lang="en-US" sz="2400" dirty="0" smtClean="0">
+              <a:latin typeface="Arial" pitchFamily="34" charset="0"/>
+              <a:cs typeface="Arial" pitchFamily="34" charset="0"/>
+            </a:endParaRPr>
+          </a:p>
+        </p:txBody>
+      </p:sp>
+      <p:pic>
+        <p:nvPicPr>
+          <p:cNvPr id="4" name="Picture 3"/>
+          <p:cNvPicPr>
+            <a:picLocks noChangeAspect="1"/>
+          </p:cNvPicPr>
+          <p:nvPr/>
+        </p:nvPicPr>
+        <p:blipFill>
+          <a:blip r:embed="rId2" cstate="print">
+            <a:extLst>
+              <a:ext uri="{28A0092B-C50C-407E-A947-70E740481C1C}">
+                <a14:useLocalDpi xmlns:a14="http://schemas.microsoft.com/office/drawing/2010/main" val="0"/>
+              </a:ext>
+            </a:extLst>
+          </a:blip>
+          <a:stretch>
+            <a:fillRect/>
+          </a:stretch>
+        </p:blipFill>
+        <p:spPr>
+          <a:xfrm>
+            <a:off x="533400" y="2971800"/>
+            <a:ext cx="3886200" cy="2989384"/>
+          </a:xfrm>
+          <a:prstGeom prst="rect">
+            <a:avLst/>
+          </a:prstGeom>
+        </p:spPr>
+      </p:pic>
+      <p:pic>
+        <p:nvPicPr>
+          <p:cNvPr id="5" name="Picture 4"/>
+          <p:cNvPicPr>
+            <a:picLocks noChangeAspect="1"/>
+          </p:cNvPicPr>
+          <p:nvPr/>
+        </p:nvPicPr>
+        <p:blipFill>
+          <a:blip r:embed="rId3" cstate="print">
+            <a:extLst>
+              <a:ext uri="{28A0092B-C50C-407E-A947-70E740481C1C}">
+                <a14:useLocalDpi xmlns:a14="http://schemas.microsoft.com/office/drawing/2010/main" val="0"/>
+              </a:ext>
+            </a:extLst>
+          </a:blip>
+          <a:stretch>
+            <a:fillRect/>
+          </a:stretch>
+        </p:blipFill>
+        <p:spPr>
+          <a:xfrm>
+            <a:off x="4724400" y="2895600"/>
+            <a:ext cx="4038600" cy="3106615"/>
+          </a:xfrm>
+          <a:prstGeom prst="rect">
+            <a:avLst/>
+          </a:prstGeom>
+        </p:spPr>
+      </p:pic>
+      <p:sp>
+        <p:nvSpPr>
+          <p:cNvPr id="6" name="TextBox 5"/>
+          <p:cNvSpPr txBox="1"/>
+          <p:nvPr/>
+        </p:nvSpPr>
+        <p:spPr>
+          <a:xfrm>
+            <a:off x="1752600" y="5943600"/>
+            <a:ext cx="1752600" cy="381000"/>
+          </a:xfrm>
+          <a:prstGeom prst="rect">
+            <a:avLst/>
+          </a:prstGeom>
+          <a:noFill/>
+        </p:spPr>
+        <p:txBody>
+          <a:bodyPr wrap="square" rtlCol="0">
+            <a:spAutoFit/>
+          </a:bodyPr>
+          <a:lstStyle/>
+          <a:p>
+            <a:r>
+              <a:rPr lang="en-US" dirty="0" smtClean="0"/>
+              <a:t>       Centroids</a:t>
+            </a:r>
+            <a:endParaRPr lang="en-US" dirty="0"/>
+          </a:p>
+        </p:txBody>
+      </p:sp>
+      <p:sp>
+        <p:nvSpPr>
+          <p:cNvPr id="8" name="TextBox 7"/>
+          <p:cNvSpPr txBox="1"/>
+          <p:nvPr/>
+        </p:nvSpPr>
+        <p:spPr>
+          <a:xfrm>
+            <a:off x="6172200" y="6019800"/>
+            <a:ext cx="1752600" cy="381000"/>
+          </a:xfrm>
+          <a:prstGeom prst="rect">
+            <a:avLst/>
+          </a:prstGeom>
+          <a:noFill/>
+        </p:spPr>
+        <p:txBody>
+          <a:bodyPr wrap="square" rtlCol="0">
+            <a:spAutoFit/>
+          </a:bodyPr>
+          <a:lstStyle/>
+          <a:p>
+            <a:r>
+              <a:rPr lang="en-US" dirty="0"/>
+              <a:t>6 stable clusters</a:t>
+            </a:r>
+          </a:p>
+        </p:txBody>
+      </p:sp>
+    </p:spTree>
+    <p:extLst>
+      <p:ext uri="{BB962C8B-B14F-4D97-AF65-F5344CB8AC3E}">
+        <p14:creationId xmlns:p14="http://schemas.microsoft.com/office/powerpoint/2010/main" val="522323060"/>
+      </p:ext>
+    </p:extLst>
+  </p:cSld>
+  <p:clrMapOvr>
+    <a:masterClrMapping/>
+  </p:clrMapOvr>
+</p:sld>
+</file>
+
+<file path=ppt/slides/slide6.xml><?xml version="1.0" encoding="utf-8"?>
+<p:sld xmlns:a="http://schemas.openxmlformats.org/drawingml/2006/main" xmlns:r="http://schemas.openxmlformats.org/officeDocument/2006/relationships" xmlns:p="http://schemas.openxmlformats.org/presentationml/2006/main">
+  <p:cSld>
+    <p:spTree>
+      <p:nvGrpSpPr>
+        <p:cNvPr id="1" name=""/>
+        <p:cNvGrpSpPr/>
+        <p:nvPr/>
+      </p:nvGrpSpPr>
+      <p:grpSpPr>
+        <a:xfrm>
+          <a:off x="0" y="0"/>
+          <a:ext cx="0" cy="0"/>
+          <a:chOff x="0" y="0"/>
+          <a:chExt cx="0" cy="0"/>
+        </a:xfrm>
+      </p:grpSpPr>
+      <p:sp>
+        <p:nvSpPr>
+          <p:cNvPr id="2" name="Title 1"/>
+          <p:cNvSpPr>
+            <a:spLocks noGrp="1"/>
+          </p:cNvSpPr>
+          <p:nvPr>
+            <p:ph type="title"/>
+          </p:nvPr>
+        </p:nvSpPr>
+        <p:spPr/>
+        <p:txBody>
+          <a:bodyPr/>
+          <a:lstStyle/>
+          <a:p>
+            <a:r>
+              <a:rPr lang="en-US" dirty="0">
+                <a:latin typeface="Arial" pitchFamily="34" charset="0"/>
+                <a:cs typeface="Arial" pitchFamily="34" charset="0"/>
+              </a:rPr>
+              <a:t>Detailed mRNA Gene Analysis</a:t>
+            </a:r>
+            <a:endParaRPr lang="en-US" dirty="0">
+              <a:latin typeface="Arial" pitchFamily="34" charset="0"/>
+              <a:cs typeface="Arial" pitchFamily="34" charset="0"/>
+            </a:endParaRPr>
+          </a:p>
+        </p:txBody>
+      </p:sp>
+      <p:sp>
+        <p:nvSpPr>
+          <p:cNvPr id="3" name="Content Placeholder 2"/>
+          <p:cNvSpPr>
+            <a:spLocks noGrp="1"/>
+          </p:cNvSpPr>
+          <p:nvPr>
+            <p:ph idx="1"/>
+          </p:nvPr>
+        </p:nvSpPr>
+        <p:spPr>
+          <a:xfrm>
+            <a:off x="457200" y="1600200"/>
+            <a:ext cx="8229600" cy="4876800"/>
+          </a:xfrm>
+        </p:spPr>
+        <p:txBody>
+          <a:bodyPr>
+            <a:normAutofit/>
+          </a:bodyPr>
+          <a:lstStyle/>
+          <a:p>
+            <a:pPr marL="0" indent="0">
+              <a:buNone/>
+            </a:pPr>
+            <a:endParaRPr lang="en-US" sz="2400" dirty="0" smtClean="0">
+              <a:latin typeface="Arial" pitchFamily="34" charset="0"/>
+              <a:cs typeface="Arial" pitchFamily="34" charset="0"/>
+            </a:endParaRPr>
+          </a:p>
+        </p:txBody>
+      </p:sp>
+      <p:pic>
+        <p:nvPicPr>
+          <p:cNvPr id="4" name="Picture 3"/>
+          <p:cNvPicPr>
+            <a:picLocks noChangeAspect="1"/>
+          </p:cNvPicPr>
+          <p:nvPr/>
+        </p:nvPicPr>
+        <p:blipFill>
+          <a:blip r:embed="rId2" cstate="print">
+            <a:extLst>
+              <a:ext uri="{28A0092B-C50C-407E-A947-70E740481C1C}">
+                <a14:useLocalDpi xmlns:a14="http://schemas.microsoft.com/office/drawing/2010/main" val="0"/>
+              </a:ext>
+            </a:extLst>
+          </a:blip>
+          <a:stretch>
+            <a:fillRect/>
+          </a:stretch>
+        </p:blipFill>
+        <p:spPr>
+          <a:xfrm>
+            <a:off x="3352800" y="4114800"/>
+            <a:ext cx="2674620" cy="2057400"/>
+          </a:xfrm>
+          <a:prstGeom prst="rect">
+            <a:avLst/>
+          </a:prstGeom>
+        </p:spPr>
+      </p:pic>
+      <p:pic>
+        <p:nvPicPr>
+          <p:cNvPr id="5" name="Picture 4"/>
+          <p:cNvPicPr>
+            <a:picLocks noChangeAspect="1"/>
+          </p:cNvPicPr>
+          <p:nvPr/>
+        </p:nvPicPr>
+        <p:blipFill>
+          <a:blip r:embed="rId3" cstate="print">
+            <a:extLst>
+              <a:ext uri="{28A0092B-C50C-407E-A947-70E740481C1C}">
+                <a14:useLocalDpi xmlns:a14="http://schemas.microsoft.com/office/drawing/2010/main" val="0"/>
+              </a:ext>
+            </a:extLst>
+          </a:blip>
+          <a:stretch>
+            <a:fillRect/>
+          </a:stretch>
+        </p:blipFill>
+        <p:spPr>
+          <a:xfrm>
+            <a:off x="5516880" y="1676400"/>
+            <a:ext cx="2377440" cy="1828800"/>
+          </a:xfrm>
+          <a:prstGeom prst="rect">
+            <a:avLst/>
+          </a:prstGeom>
+        </p:spPr>
+      </p:pic>
+      <p:sp>
+        <p:nvSpPr>
+          <p:cNvPr id="6" name="TextBox 5"/>
+          <p:cNvSpPr txBox="1"/>
+          <p:nvPr/>
+        </p:nvSpPr>
+        <p:spPr>
+          <a:xfrm>
+            <a:off x="1524000" y="3733800"/>
+            <a:ext cx="1752600" cy="381000"/>
+          </a:xfrm>
+          <a:prstGeom prst="rect">
+            <a:avLst/>
+          </a:prstGeom>
+          <a:noFill/>
+        </p:spPr>
+        <p:txBody>
+          <a:bodyPr wrap="square" rtlCol="0">
+            <a:spAutoFit/>
+          </a:bodyPr>
+          <a:lstStyle/>
+          <a:p>
+            <a:r>
+              <a:rPr lang="en-US" dirty="0" smtClean="0"/>
+              <a:t>         PDGFRA</a:t>
+            </a:r>
+            <a:endParaRPr lang="en-US" dirty="0"/>
+          </a:p>
+        </p:txBody>
+      </p:sp>
+      <p:sp>
+        <p:nvSpPr>
+          <p:cNvPr id="8" name="TextBox 7"/>
+          <p:cNvSpPr txBox="1"/>
+          <p:nvPr/>
+        </p:nvSpPr>
+        <p:spPr>
+          <a:xfrm>
+            <a:off x="6172200" y="3581400"/>
+            <a:ext cx="1752600" cy="381000"/>
+          </a:xfrm>
+          <a:prstGeom prst="rect">
+            <a:avLst/>
+          </a:prstGeom>
+          <a:noFill/>
+        </p:spPr>
+        <p:txBody>
+          <a:bodyPr wrap="square" rtlCol="0">
+            <a:spAutoFit/>
+          </a:bodyPr>
+          <a:lstStyle/>
+          <a:p>
+            <a:r>
+              <a:rPr lang="en-US" dirty="0" smtClean="0"/>
+              <a:t>           ELNA</a:t>
+            </a:r>
+            <a:endParaRPr lang="en-US" dirty="0"/>
+          </a:p>
+        </p:txBody>
+      </p:sp>
+      <p:pic>
+        <p:nvPicPr>
+          <p:cNvPr id="9" name="Picture 8"/>
+          <p:cNvPicPr>
+            <a:picLocks noChangeAspect="1"/>
+          </p:cNvPicPr>
+          <p:nvPr/>
+        </p:nvPicPr>
+        <p:blipFill>
+          <a:blip r:embed="rId4" cstate="print">
+            <a:extLst>
+              <a:ext uri="{28A0092B-C50C-407E-A947-70E740481C1C}">
+                <a14:useLocalDpi xmlns:a14="http://schemas.microsoft.com/office/drawing/2010/main" val="0"/>
+              </a:ext>
+            </a:extLst>
+          </a:blip>
+          <a:stretch>
+            <a:fillRect/>
+          </a:stretch>
+        </p:blipFill>
+        <p:spPr>
+          <a:xfrm>
+            <a:off x="1013460" y="1600200"/>
+            <a:ext cx="2773680" cy="2133600"/>
+          </a:xfrm>
+          <a:prstGeom prst="rect">
+            <a:avLst/>
+          </a:prstGeom>
+        </p:spPr>
+      </p:pic>
+      <p:sp>
+        <p:nvSpPr>
+          <p:cNvPr id="10" name="TextBox 9"/>
+          <p:cNvSpPr txBox="1"/>
+          <p:nvPr/>
+        </p:nvSpPr>
+        <p:spPr>
+          <a:xfrm>
+            <a:off x="3962400" y="6096000"/>
+            <a:ext cx="1752600" cy="381000"/>
+          </a:xfrm>
+          <a:prstGeom prst="rect">
+            <a:avLst/>
+          </a:prstGeom>
+          <a:noFill/>
+        </p:spPr>
+        <p:txBody>
+          <a:bodyPr wrap="square" rtlCol="0">
+            <a:spAutoFit/>
+          </a:bodyPr>
+          <a:lstStyle/>
+          <a:p>
+            <a:r>
+              <a:rPr lang="en-US" dirty="0" smtClean="0"/>
+              <a:t>            INMT</a:t>
+            </a:r>
+            <a:endParaRPr lang="en-US" dirty="0"/>
+          </a:p>
+        </p:txBody>
+      </p:sp>
+    </p:spTree>
+    <p:extLst>
+      <p:ext uri="{BB962C8B-B14F-4D97-AF65-F5344CB8AC3E}">
+        <p14:creationId xmlns:p14="http://schemas.microsoft.com/office/powerpoint/2010/main" val="961797779"/>
+      </p:ext>
+    </p:extLst>
+  </p:cSld>
+  <p:clrMapOvr>
+    <a:masterClrMapping/>
+  </p:clrMapOvr>
+</p:sld>
+</file>
+
+<file path=ppt/slides/slide7.xml><?xml version="1.0" encoding="utf-8"?>
+<p:sld xmlns:a="http://schemas.openxmlformats.org/drawingml/2006/main" xmlns:r="http://schemas.openxmlformats.org/officeDocument/2006/relationships" xmlns:p="http://schemas.openxmlformats.org/presentationml/2006/main">
+  <p:cSld>
+    <p:spTree>
+      <p:nvGrpSpPr>
+        <p:cNvPr id="1" name=""/>
+        <p:cNvGrpSpPr/>
+        <p:nvPr/>
+      </p:nvGrpSpPr>
+      <p:grpSpPr>
+        <a:xfrm>
+          <a:off x="0" y="0"/>
+          <a:ext cx="0" cy="0"/>
+          <a:chOff x="0" y="0"/>
+          <a:chExt cx="0" cy="0"/>
+        </a:xfrm>
+      </p:grpSpPr>
+      <p:sp>
+        <p:nvSpPr>
+          <p:cNvPr id="2" name="Title 1"/>
+          <p:cNvSpPr>
+            <a:spLocks noGrp="1"/>
+          </p:cNvSpPr>
+          <p:nvPr>
+            <p:ph type="title"/>
+          </p:nvPr>
+        </p:nvSpPr>
+        <p:spPr/>
+        <p:txBody>
+          <a:bodyPr/>
+          <a:lstStyle/>
+          <a:p>
+            <a:r>
+              <a:rPr lang="en-US" dirty="0" smtClean="0">
+                <a:latin typeface="Arial" pitchFamily="34" charset="0"/>
+                <a:cs typeface="Arial" pitchFamily="34" charset="0"/>
+              </a:rPr>
+              <a:t>Spline vs. Linear Error</a:t>
+            </a:r>
+            <a:endParaRPr lang="en-US" dirty="0">
+              <a:latin typeface="Arial" pitchFamily="34" charset="0"/>
+              <a:cs typeface="Arial" pitchFamily="34" charset="0"/>
+            </a:endParaRPr>
+          </a:p>
+        </p:txBody>
+      </p:sp>
+      <p:sp>
+        <p:nvSpPr>
+          <p:cNvPr id="3" name="Content Placeholder 2"/>
+          <p:cNvSpPr>
+            <a:spLocks noGrp="1"/>
+          </p:cNvSpPr>
+          <p:nvPr>
+            <p:ph idx="1"/>
+          </p:nvPr>
+        </p:nvSpPr>
+        <p:spPr>
+          <a:xfrm>
+            <a:off x="457200" y="1600200"/>
+            <a:ext cx="8229600" cy="4876800"/>
+          </a:xfrm>
+        </p:spPr>
+        <p:txBody>
+          <a:bodyPr>
+            <a:normAutofit/>
+          </a:bodyPr>
+          <a:lstStyle/>
+          <a:p>
+            <a:pPr marL="0" indent="0">
+              <a:buNone/>
+            </a:pPr>
+            <a:endParaRPr lang="en-US" sz="2400" dirty="0" smtClean="0">
+              <a:latin typeface="Arial" pitchFamily="34" charset="0"/>
+              <a:cs typeface="Arial" pitchFamily="34" charset="0"/>
+            </a:endParaRPr>
+          </a:p>
+        </p:txBody>
+      </p:sp>
+      <p:pic>
+        <p:nvPicPr>
+          <p:cNvPr id="4" name="Picture 3"/>
+          <p:cNvPicPr>
+            <a:picLocks noChangeAspect="1"/>
+          </p:cNvPicPr>
+          <p:nvPr/>
+        </p:nvPicPr>
+        <p:blipFill>
+          <a:blip r:embed="rId2" cstate="print">
+            <a:extLst>
+              <a:ext uri="{28A0092B-C50C-407E-A947-70E740481C1C}">
+                <a14:useLocalDpi xmlns:a14="http://schemas.microsoft.com/office/drawing/2010/main" val="0"/>
+              </a:ext>
+            </a:extLst>
+          </a:blip>
+          <a:stretch>
+            <a:fillRect/>
+          </a:stretch>
+        </p:blipFill>
+        <p:spPr>
+          <a:xfrm>
+            <a:off x="3352800" y="4114800"/>
+            <a:ext cx="2674620" cy="2057400"/>
+          </a:xfrm>
+          <a:prstGeom prst="rect">
+            <a:avLst/>
+          </a:prstGeom>
+        </p:spPr>
+      </p:pic>
+      <p:pic>
+        <p:nvPicPr>
+          <p:cNvPr id="5" name="Picture 4"/>
+          <p:cNvPicPr>
+            <a:picLocks noChangeAspect="1"/>
+          </p:cNvPicPr>
+          <p:nvPr/>
+        </p:nvPicPr>
+        <p:blipFill>
+          <a:blip r:embed="rId3" cstate="print">
+            <a:extLst>
+              <a:ext uri="{28A0092B-C50C-407E-A947-70E740481C1C}">
+                <a14:useLocalDpi xmlns:a14="http://schemas.microsoft.com/office/drawing/2010/main" val="0"/>
+              </a:ext>
+            </a:extLst>
+          </a:blip>
+          <a:stretch>
+            <a:fillRect/>
+          </a:stretch>
+        </p:blipFill>
+        <p:spPr>
+          <a:xfrm>
+            <a:off x="5516880" y="1676400"/>
+            <a:ext cx="2377440" cy="1828800"/>
+          </a:xfrm>
+          <a:prstGeom prst="rect">
+            <a:avLst/>
+          </a:prstGeom>
+        </p:spPr>
+      </p:pic>
+      <p:sp>
+        <p:nvSpPr>
+          <p:cNvPr id="6" name="TextBox 5"/>
+          <p:cNvSpPr txBox="1"/>
+          <p:nvPr/>
+        </p:nvSpPr>
+        <p:spPr>
+          <a:xfrm>
+            <a:off x="1295400" y="3733800"/>
+            <a:ext cx="1981200" cy="369332"/>
+          </a:xfrm>
+          <a:prstGeom prst="rect">
+            <a:avLst/>
+          </a:prstGeom>
+          <a:noFill/>
+        </p:spPr>
+        <p:txBody>
+          <a:bodyPr wrap="square" rtlCol="0">
+            <a:spAutoFit/>
+          </a:bodyPr>
+          <a:lstStyle/>
+          <a:p>
+            <a:r>
+              <a:rPr lang="en-US" dirty="0" smtClean="0"/>
+              <a:t>    PDGFRA(8.3488)</a:t>
+            </a:r>
+            <a:endParaRPr lang="en-US" dirty="0"/>
+          </a:p>
+        </p:txBody>
+      </p:sp>
+      <p:sp>
+        <p:nvSpPr>
+          <p:cNvPr id="8" name="TextBox 7"/>
+          <p:cNvSpPr txBox="1"/>
+          <p:nvPr/>
+        </p:nvSpPr>
+        <p:spPr>
+          <a:xfrm>
+            <a:off x="6019800" y="3581400"/>
+            <a:ext cx="1752600" cy="381000"/>
+          </a:xfrm>
+          <a:prstGeom prst="rect">
+            <a:avLst/>
+          </a:prstGeom>
+          <a:noFill/>
+        </p:spPr>
+        <p:txBody>
+          <a:bodyPr wrap="square" rtlCol="0">
+            <a:spAutoFit/>
+          </a:bodyPr>
+          <a:lstStyle/>
+          <a:p>
+            <a:r>
+              <a:rPr lang="en-US" dirty="0" smtClean="0"/>
+              <a:t>  </a:t>
+            </a:r>
+            <a:r>
+              <a:rPr lang="en-US" dirty="0"/>
+              <a:t>ELN</a:t>
+            </a:r>
+            <a:r>
+              <a:rPr lang="en-US" dirty="0" smtClean="0"/>
+              <a:t>(9.5703)</a:t>
+            </a:r>
+            <a:endParaRPr lang="en-US" dirty="0"/>
+          </a:p>
+        </p:txBody>
+      </p:sp>
+      <p:pic>
+        <p:nvPicPr>
+          <p:cNvPr id="9" name="Picture 8"/>
+          <p:cNvPicPr>
+            <a:picLocks noChangeAspect="1"/>
+          </p:cNvPicPr>
+          <p:nvPr/>
+        </p:nvPicPr>
+        <p:blipFill>
+          <a:blip r:embed="rId4" cstate="print">
+            <a:extLst>
+              <a:ext uri="{28A0092B-C50C-407E-A947-70E740481C1C}">
+                <a14:useLocalDpi xmlns:a14="http://schemas.microsoft.com/office/drawing/2010/main" val="0"/>
+              </a:ext>
+            </a:extLst>
+          </a:blip>
+          <a:stretch>
+            <a:fillRect/>
+          </a:stretch>
+        </p:blipFill>
+        <p:spPr>
+          <a:xfrm>
+            <a:off x="1013460" y="1600200"/>
+            <a:ext cx="2773680" cy="2133600"/>
+          </a:xfrm>
+          <a:prstGeom prst="rect">
+            <a:avLst/>
+          </a:prstGeom>
+        </p:spPr>
+      </p:pic>
+      <p:sp>
+        <p:nvSpPr>
+          <p:cNvPr id="10" name="TextBox 9"/>
+          <p:cNvSpPr txBox="1"/>
+          <p:nvPr/>
+        </p:nvSpPr>
+        <p:spPr>
+          <a:xfrm>
+            <a:off x="3962400" y="6096000"/>
+            <a:ext cx="1752600" cy="381000"/>
+          </a:xfrm>
+          <a:prstGeom prst="rect">
+            <a:avLst/>
+          </a:prstGeom>
+          <a:noFill/>
+        </p:spPr>
+        <p:txBody>
+          <a:bodyPr wrap="square" rtlCol="0">
+            <a:spAutoFit/>
+          </a:bodyPr>
+          <a:lstStyle/>
+          <a:p>
+            <a:r>
+              <a:rPr lang="en-US" dirty="0" smtClean="0"/>
+              <a:t> </a:t>
+            </a:r>
+            <a:r>
+              <a:rPr lang="en-US" dirty="0"/>
+              <a:t> LRAT</a:t>
+            </a:r>
+            <a:r>
+              <a:rPr lang="en-US" dirty="0" smtClean="0"/>
+              <a:t>(25.24)</a:t>
+            </a:r>
+            <a:endParaRPr lang="en-US" dirty="0"/>
+          </a:p>
+        </p:txBody>
+      </p:sp>
+    </p:spTree>
+    <p:extLst>
+      <p:ext uri="{BB962C8B-B14F-4D97-AF65-F5344CB8AC3E}">
+        <p14:creationId xmlns:p14="http://schemas.microsoft.com/office/powerpoint/2010/main" val="2463587089"/>
+      </p:ext>
+    </p:extLst>
+  </p:cSld>
+  <p:clrMapOvr>
+    <a:masterClrMapping/>
+  </p:clrMapOvr>
+</p:sld>
+</file>
+
+<file path=ppt/slides/slide8.xml><?xml version="1.0" encoding="utf-8"?>
+<p:sld xmlns:a="http://schemas.openxmlformats.org/drawingml/2006/main" xmlns:r="http://schemas.openxmlformats.org/officeDocument/2006/relationships" xmlns:p="http://schemas.openxmlformats.org/presentationml/2006/main">
+  <p:cSld>
+    <p:spTree>
+      <p:nvGrpSpPr>
+        <p:cNvPr id="1" name=""/>
+        <p:cNvGrpSpPr/>
+        <p:nvPr/>
+      </p:nvGrpSpPr>
+      <p:grpSpPr>
+        <a:xfrm>
+          <a:off x="0" y="0"/>
+          <a:ext cx="0" cy="0"/>
+          <a:chOff x="0" y="0"/>
+          <a:chExt cx="0" cy="0"/>
+        </a:xfrm>
+      </p:grpSpPr>
+      <p:sp>
+        <p:nvSpPr>
+          <p:cNvPr id="2" name="Title 1"/>
+          <p:cNvSpPr>
+            <a:spLocks noGrp="1"/>
+          </p:cNvSpPr>
+          <p:nvPr>
+            <p:ph type="title"/>
+          </p:nvPr>
+        </p:nvSpPr>
+        <p:spPr/>
+        <p:txBody>
+          <a:bodyPr/>
+          <a:lstStyle/>
+          <a:p>
+            <a:r>
+              <a:rPr lang="en-US" dirty="0" smtClean="0">
+                <a:latin typeface="Arial" pitchFamily="34" charset="0"/>
+                <a:cs typeface="Arial" pitchFamily="34" charset="0"/>
+              </a:rPr>
+              <a:t>Similarity of miRNA to mRNA</a:t>
+            </a:r>
+            <a:endParaRPr lang="en-US" dirty="0">
+              <a:latin typeface="Arial" pitchFamily="34" charset="0"/>
+              <a:cs typeface="Arial" pitchFamily="34" charset="0"/>
+            </a:endParaRPr>
+          </a:p>
+        </p:txBody>
+      </p:sp>
+      <p:sp>
+        <p:nvSpPr>
+          <p:cNvPr id="3" name="Content Placeholder 2"/>
+          <p:cNvSpPr>
+            <a:spLocks noGrp="1"/>
+          </p:cNvSpPr>
+          <p:nvPr>
+            <p:ph idx="1"/>
+          </p:nvPr>
+        </p:nvSpPr>
+        <p:spPr/>
+        <p:txBody>
+          <a:bodyPr>
+            <a:normAutofit/>
+          </a:bodyPr>
+          <a:lstStyle/>
+          <a:p>
+            <a:pPr marL="0" indent="0">
+              <a:buNone/>
+            </a:pPr>
+            <a:r>
+              <a:rPr lang="en-US" sz="2400" dirty="0">
+                <a:latin typeface="Arial" pitchFamily="34" charset="0"/>
+                <a:cs typeface="Arial" pitchFamily="34" charset="0"/>
+              </a:rPr>
+              <a:t> </a:t>
+            </a:r>
+            <a:r>
+              <a:rPr lang="en-US" sz="2400" dirty="0" smtClean="0">
+                <a:latin typeface="Arial" pitchFamily="34" charset="0"/>
+                <a:cs typeface="Arial" pitchFamily="34" charset="0"/>
+              </a:rPr>
+              <a:t>   </a:t>
+            </a:r>
+          </a:p>
+          <a:p>
+            <a:pPr>
+              <a:buFont typeface="Arial"/>
+              <a:buChar char="•"/>
+            </a:pPr>
+            <a:r>
+              <a:rPr lang="en-US" sz="2400" dirty="0">
+                <a:latin typeface="Arial" pitchFamily="34" charset="0"/>
+                <a:cs typeface="Arial" pitchFamily="34" charset="0"/>
+              </a:rPr>
+              <a:t> </a:t>
+            </a:r>
+            <a:r>
+              <a:rPr lang="en-US" sz="2400" dirty="0" smtClean="0">
+                <a:latin typeface="Arial" pitchFamily="34" charset="0"/>
+                <a:cs typeface="Arial" pitchFamily="34" charset="0"/>
+              </a:rPr>
+              <a:t>Using </a:t>
+            </a:r>
+            <a:r>
+              <a:rPr lang="en-US" sz="2400" dirty="0">
+                <a:latin typeface="Arial" pitchFamily="34" charset="0"/>
+                <a:cs typeface="Arial" pitchFamily="34" charset="0"/>
+              </a:rPr>
+              <a:t>mRNA points gives </a:t>
+            </a:r>
+            <a:r>
+              <a:rPr lang="en-US" sz="2400" dirty="0" smtClean="0">
+                <a:latin typeface="Arial" pitchFamily="34" charset="0"/>
+                <a:cs typeface="Arial" pitchFamily="34" charset="0"/>
+              </a:rPr>
+              <a:t>0.3312 </a:t>
+            </a:r>
+            <a:r>
+              <a:rPr lang="en-US" sz="2400" dirty="0">
+                <a:latin typeface="Arial" pitchFamily="34" charset="0"/>
+                <a:cs typeface="Arial" pitchFamily="34" charset="0"/>
+              </a:rPr>
+              <a:t>error for </a:t>
+            </a:r>
+            <a:r>
+              <a:rPr lang="en-US" sz="2400" dirty="0" smtClean="0">
+                <a:latin typeface="Arial" pitchFamily="34" charset="0"/>
+                <a:cs typeface="Arial" pitchFamily="34" charset="0"/>
+              </a:rPr>
+              <a:t>miRNA</a:t>
+            </a:r>
+          </a:p>
+          <a:p>
+            <a:endParaRPr lang="en-US" sz="2400" dirty="0" smtClean="0">
+              <a:latin typeface="Arial" pitchFamily="34" charset="0"/>
+              <a:cs typeface="Arial" pitchFamily="34" charset="0"/>
+            </a:endParaRPr>
+          </a:p>
+          <a:p>
+            <a:r>
+              <a:rPr lang="en-US" sz="2400" dirty="0">
+                <a:latin typeface="Arial" pitchFamily="34" charset="0"/>
+                <a:cs typeface="Arial" pitchFamily="34" charset="0"/>
+              </a:rPr>
+              <a:t> </a:t>
+            </a:r>
+            <a:r>
+              <a:rPr lang="en-US" sz="2400" dirty="0" smtClean="0">
+                <a:latin typeface="Arial" pitchFamily="34" charset="0"/>
+                <a:cs typeface="Arial" pitchFamily="34" charset="0"/>
+              </a:rPr>
+              <a:t>Optimal </a:t>
+            </a:r>
+            <a:r>
+              <a:rPr lang="en-US" sz="2400" dirty="0">
+                <a:latin typeface="Arial" pitchFamily="34" charset="0"/>
+                <a:cs typeface="Arial" pitchFamily="34" charset="0"/>
+              </a:rPr>
+              <a:t>points for miRNA are quite similar(error </a:t>
+            </a:r>
+            <a:r>
+              <a:rPr lang="en-US" sz="2400" dirty="0" smtClean="0">
+                <a:latin typeface="Arial" pitchFamily="34" charset="0"/>
+                <a:cs typeface="Arial" pitchFamily="34" charset="0"/>
+              </a:rPr>
+              <a:t>0.3042)</a:t>
+            </a:r>
+          </a:p>
+          <a:p>
+            <a:pPr marL="0" indent="0">
+              <a:buNone/>
+            </a:pPr>
+            <a:r>
+              <a:rPr lang="en-US" sz="2400" dirty="0">
+                <a:latin typeface="Arial" pitchFamily="34" charset="0"/>
+                <a:cs typeface="Arial" pitchFamily="34" charset="0"/>
+              </a:rPr>
+              <a:t> </a:t>
+            </a:r>
+            <a:r>
+              <a:rPr lang="en-US" sz="2400" dirty="0" smtClean="0">
+                <a:latin typeface="Arial" pitchFamily="34" charset="0"/>
+                <a:cs typeface="Arial" pitchFamily="34" charset="0"/>
+              </a:rPr>
+              <a:t>     </a:t>
+            </a:r>
+          </a:p>
+          <a:p>
+            <a:pPr marL="0" indent="0">
+              <a:buNone/>
+            </a:pPr>
+            <a:r>
+              <a:rPr lang="en-US" sz="2400" dirty="0">
+                <a:latin typeface="Arial" pitchFamily="34" charset="0"/>
+                <a:cs typeface="Arial" pitchFamily="34" charset="0"/>
+              </a:rPr>
+              <a:t> </a:t>
+            </a:r>
+            <a:r>
+              <a:rPr lang="en-US" sz="2400" dirty="0" smtClean="0">
+                <a:latin typeface="Arial" pitchFamily="34" charset="0"/>
+                <a:cs typeface="Arial" pitchFamily="34" charset="0"/>
+              </a:rPr>
+              <a:t>    [0.5</a:t>
+            </a:r>
+            <a:r>
+              <a:rPr lang="en-US" sz="2400" dirty="0">
+                <a:latin typeface="Arial" pitchFamily="34" charset="0"/>
+                <a:cs typeface="Arial" pitchFamily="34" charset="0"/>
+              </a:rPr>
+              <a:t>, 1.0,1.5, 2.5, 4.0, 5.0, 7.0, 8.5, 10.0, 12.0, 15.0, 19.0, 23.0, </a:t>
+            </a:r>
+            <a:r>
+              <a:rPr lang="en-US" sz="2400" dirty="0" smtClean="0">
+                <a:latin typeface="Arial" pitchFamily="34" charset="0"/>
+                <a:cs typeface="Arial" pitchFamily="34" charset="0"/>
+              </a:rPr>
+              <a:t>28.0]</a:t>
+            </a:r>
+          </a:p>
+          <a:p>
+            <a:pPr marL="0" indent="0">
+              <a:buNone/>
+            </a:pPr>
+            <a:endParaRPr lang="en-US" sz="2400" dirty="0" smtClean="0">
+              <a:latin typeface="Arial" pitchFamily="34" charset="0"/>
+              <a:cs typeface="Arial" pitchFamily="34" charset="0"/>
+            </a:endParaRPr>
+          </a:p>
+        </p:txBody>
+      </p:sp>
+    </p:spTree>
+    <p:extLst>
+      <p:ext uri="{BB962C8B-B14F-4D97-AF65-F5344CB8AC3E}">
+        <p14:creationId xmlns:p14="http://schemas.microsoft.com/office/powerpoint/2010/main" val="114563756"/>
+      </p:ext>
+    </p:extLst>
+  </p:cSld>
+  <p:clrMapOvr>
+    <a:masterClrMapping/>
+  </p:clrMapOvr>
+</p:sld>
+</file>
+
+<file path=ppt/slides/slide9.xml><?xml version="1.0" encoding="utf-8"?>
+<p:sld xmlns:a="http://schemas.openxmlformats.org/drawingml/2006/main" xmlns:r="http://schemas.openxmlformats.org/officeDocument/2006/relationships" xmlns:p="http://schemas.openxmlformats.org/presentationml/2006/main">
+  <p:cSld>
+    <p:spTree>
+      <p:nvGrpSpPr>
+        <p:cNvPr id="1" name=""/>
+        <p:cNvGrpSpPr/>
+        <p:nvPr/>
+      </p:nvGrpSpPr>
+      <p:grpSpPr>
+        <a:xfrm>
+          <a:off x="0" y="0"/>
+          <a:ext cx="0" cy="0"/>
+          <a:chOff x="0" y="0"/>
+          <a:chExt cx="0" cy="0"/>
+        </a:xfrm>
+      </p:grpSpPr>
+      <p:sp>
+        <p:nvSpPr>
+          <p:cNvPr id="2" name="Title 1"/>
+          <p:cNvSpPr>
+            <a:spLocks noGrp="1"/>
+          </p:cNvSpPr>
+          <p:nvPr>
+            <p:ph type="title"/>
+          </p:nvPr>
+        </p:nvSpPr>
+        <p:spPr/>
+        <p:txBody>
+          <a:bodyPr>
+            <a:normAutofit fontScale="90000"/>
+          </a:bodyPr>
+          <a:lstStyle/>
+          <a:p>
+            <a:r>
+              <a:rPr lang="en-US" dirty="0" smtClean="0">
+                <a:latin typeface="Arial" pitchFamily="34" charset="0"/>
+                <a:cs typeface="Arial" pitchFamily="34" charset="0"/>
+              </a:rPr>
+              <a:t>Comparing </a:t>
+            </a:r>
+            <a:r>
+              <a:rPr lang="en-US" dirty="0">
+                <a:latin typeface="Arial" pitchFamily="34" charset="0"/>
+                <a:cs typeface="Arial" pitchFamily="34" charset="0"/>
+              </a:rPr>
+              <a:t>miRNA and mRNA Errors</a:t>
+            </a:r>
+            <a:endParaRPr lang="en-US" dirty="0">
+              <a:latin typeface="Arial" pitchFamily="34" charset="0"/>
+              <a:cs typeface="Arial" pitchFamily="34" charset="0"/>
+            </a:endParaRPr>
+          </a:p>
+        </p:txBody>
+      </p:sp>
+      <p:sp>
+        <p:nvSpPr>
+          <p:cNvPr id="3" name="Content Placeholder 2"/>
+          <p:cNvSpPr>
+            <a:spLocks noGrp="1"/>
+          </p:cNvSpPr>
+          <p:nvPr>
+            <p:ph idx="1"/>
+          </p:nvPr>
+        </p:nvSpPr>
+        <p:spPr/>
+        <p:txBody>
+          <a:bodyPr>
+            <a:normAutofit/>
+          </a:bodyPr>
+          <a:lstStyle/>
+          <a:p>
+            <a:r>
+              <a:rPr lang="en-US" sz="2400" dirty="0">
+                <a:latin typeface="Arial" pitchFamily="34" charset="0"/>
+                <a:cs typeface="Arial" pitchFamily="34" charset="0"/>
+              </a:rPr>
+              <a:t>Error is decreasing by increasing number of selected points in both datasets</a:t>
+            </a:r>
+            <a:endParaRPr lang="en-US" sz="2400" dirty="0" smtClean="0">
+              <a:latin typeface="Arial" pitchFamily="34" charset="0"/>
+              <a:cs typeface="Arial" pitchFamily="34" charset="0"/>
+            </a:endParaRPr>
+          </a:p>
+        </p:txBody>
+      </p:sp>
+      <p:pic>
+        <p:nvPicPr>
+          <p:cNvPr id="4" name="Picture 3"/>
+          <p:cNvPicPr>
+            <a:picLocks noChangeAspect="1"/>
+          </p:cNvPicPr>
+          <p:nvPr/>
+        </p:nvPicPr>
+        <p:blipFill>
+          <a:blip r:embed="rId2" cstate="print">
+            <a:extLst>
+              <a:ext uri="{28A0092B-C50C-407E-A947-70E740481C1C}">
+                <a14:useLocalDpi xmlns:a14="http://schemas.microsoft.com/office/drawing/2010/main" val="0"/>
+              </a:ext>
+            </a:extLst>
+          </a:blip>
+          <a:stretch>
+            <a:fillRect/>
+          </a:stretch>
+        </p:blipFill>
+        <p:spPr>
+          <a:xfrm>
+            <a:off x="533400" y="2772508"/>
+            <a:ext cx="3886200" cy="2989384"/>
+          </a:xfrm>
+          <a:prstGeom prst="rect">
+            <a:avLst/>
+          </a:prstGeom>
+        </p:spPr>
+      </p:pic>
+      <p:pic>
+        <p:nvPicPr>
+          <p:cNvPr id="5" name="Picture 4"/>
+          <p:cNvPicPr>
+            <a:picLocks noChangeAspect="1"/>
+          </p:cNvPicPr>
+          <p:nvPr/>
+        </p:nvPicPr>
+        <p:blipFill>
+          <a:blip r:embed="rId3" cstate="print">
+            <a:extLst>
+              <a:ext uri="{28A0092B-C50C-407E-A947-70E740481C1C}">
+                <a14:useLocalDpi xmlns:a14="http://schemas.microsoft.com/office/drawing/2010/main" val="0"/>
+              </a:ext>
+            </a:extLst>
+          </a:blip>
+          <a:stretch>
+            <a:fillRect/>
+          </a:stretch>
+        </p:blipFill>
+        <p:spPr>
+          <a:xfrm>
+            <a:off x="4724400" y="2713892"/>
+            <a:ext cx="4038600" cy="3106615"/>
+          </a:xfrm>
+          <a:prstGeom prst="rect">
+            <a:avLst/>
+          </a:prstGeom>
+        </p:spPr>
+      </p:pic>
+      <p:sp>
+        <p:nvSpPr>
+          <p:cNvPr id="7" name="TextBox 6"/>
+          <p:cNvSpPr txBox="1"/>
+          <p:nvPr/>
+        </p:nvSpPr>
+        <p:spPr>
+          <a:xfrm>
+            <a:off x="1676400" y="5867400"/>
+            <a:ext cx="1752600" cy="381000"/>
+          </a:xfrm>
+          <a:prstGeom prst="rect">
+            <a:avLst/>
+          </a:prstGeom>
+          <a:noFill/>
+        </p:spPr>
+        <p:txBody>
+          <a:bodyPr wrap="square" rtlCol="0">
+            <a:spAutoFit/>
+          </a:bodyPr>
+          <a:lstStyle/>
+          <a:p>
+            <a:r>
+              <a:rPr lang="en-US" dirty="0" smtClean="0"/>
+              <a:t>     Performance</a:t>
+            </a:r>
+            <a:endParaRPr lang="en-US" dirty="0"/>
+          </a:p>
+        </p:txBody>
+      </p:sp>
+      <p:sp>
+        <p:nvSpPr>
+          <p:cNvPr id="8" name="TextBox 7"/>
+          <p:cNvSpPr txBox="1"/>
+          <p:nvPr/>
+        </p:nvSpPr>
+        <p:spPr>
+          <a:xfrm>
+            <a:off x="5715000" y="5943600"/>
+            <a:ext cx="2590800" cy="369332"/>
+          </a:xfrm>
+          <a:prstGeom prst="rect">
+            <a:avLst/>
+          </a:prstGeom>
+          <a:noFill/>
+        </p:spPr>
+        <p:txBody>
+          <a:bodyPr wrap="square" rtlCol="0">
+            <a:spAutoFit/>
+          </a:bodyPr>
+          <a:lstStyle/>
+          <a:p>
+            <a:r>
+              <a:rPr lang="en-US" dirty="0" smtClean="0"/>
+              <a:t>    Remove 27.0 and 28.0</a:t>
+            </a:r>
+            <a:endParaRPr lang="en-US" dirty="0"/>
+          </a:p>
+        </p:txBody>
+      </p:sp>
+    </p:spTree>
+    <p:extLst>
+      <p:ext uri="{BB962C8B-B14F-4D97-AF65-F5344CB8AC3E}">
+        <p14:creationId xmlns:p14="http://schemas.microsoft.com/office/powerpoint/2010/main" val="146404527"/>
+      </p:ext>
+    </p:extLst>
   </p:cSld>
   <p:clrMapOvr>
     <a:masterClrMapping/>
